--- a/Seminário 01.pptx
+++ b/Seminário 01.pptx
@@ -11,11 +11,10 @@
     <p:sldId id="262" r:id="rId5"/>
     <p:sldId id="264" r:id="rId6"/>
     <p:sldId id="265" r:id="rId7"/>
-    <p:sldId id="267" r:id="rId8"/>
-    <p:sldId id="268" r:id="rId9"/>
-    <p:sldId id="266" r:id="rId10"/>
-    <p:sldId id="270" r:id="rId11"/>
-    <p:sldId id="269" r:id="rId12"/>
+    <p:sldId id="268" r:id="rId8"/>
+    <p:sldId id="266" r:id="rId9"/>
+    <p:sldId id="270" r:id="rId10"/>
+    <p:sldId id="269" r:id="rId11"/>
   </p:sldIdLst>
   <p:sldSz cx="12192000" cy="6858000"/>
   <p:notesSz cx="6858000" cy="9144000"/>
@@ -114,6 +113,11 @@
       </a:defRPr>
     </a:lvl9pPr>
   </p:defaultTextStyle>
+  <p:extLst>
+    <p:ext uri="{EFAFB233-063F-42B5-8137-9DF3F51BA10A}">
+      <p15:sldGuideLst xmlns:p15="http://schemas.microsoft.com/office/powerpoint/2012/main"/>
+    </p:ext>
+  </p:extLst>
 </p:presentation>
 </file>
 
@@ -248,7 +252,7 @@
           <a:p>
             <a:fld id="{B84334A0-091B-4EF6-BB99-32DD6DC99EC4}" type="datetimeFigureOut">
               <a:rPr lang="pt-BR" smtClean="0"/>
-              <a:t>08/10/2015</a:t>
+              <a:t>14/10/2015</a:t>
             </a:fld>
             <a:endParaRPr lang="pt-BR"/>
           </a:p>
@@ -418,7 +422,7 @@
           <a:p>
             <a:fld id="{B84334A0-091B-4EF6-BB99-32DD6DC99EC4}" type="datetimeFigureOut">
               <a:rPr lang="pt-BR" smtClean="0"/>
-              <a:t>08/10/2015</a:t>
+              <a:t>14/10/2015</a:t>
             </a:fld>
             <a:endParaRPr lang="pt-BR"/>
           </a:p>
@@ -598,7 +602,7 @@
           <a:p>
             <a:fld id="{B84334A0-091B-4EF6-BB99-32DD6DC99EC4}" type="datetimeFigureOut">
               <a:rPr lang="pt-BR" smtClean="0"/>
-              <a:t>08/10/2015</a:t>
+              <a:t>14/10/2015</a:t>
             </a:fld>
             <a:endParaRPr lang="pt-BR"/>
           </a:p>
@@ -768,7 +772,7 @@
           <a:p>
             <a:fld id="{B84334A0-091B-4EF6-BB99-32DD6DC99EC4}" type="datetimeFigureOut">
               <a:rPr lang="pt-BR" smtClean="0"/>
-              <a:t>08/10/2015</a:t>
+              <a:t>14/10/2015</a:t>
             </a:fld>
             <a:endParaRPr lang="pt-BR"/>
           </a:p>
@@ -1014,7 +1018,7 @@
           <a:p>
             <a:fld id="{B84334A0-091B-4EF6-BB99-32DD6DC99EC4}" type="datetimeFigureOut">
               <a:rPr lang="pt-BR" smtClean="0"/>
-              <a:t>08/10/2015</a:t>
+              <a:t>14/10/2015</a:t>
             </a:fld>
             <a:endParaRPr lang="pt-BR"/>
           </a:p>
@@ -1246,7 +1250,7 @@
           <a:p>
             <a:fld id="{B84334A0-091B-4EF6-BB99-32DD6DC99EC4}" type="datetimeFigureOut">
               <a:rPr lang="pt-BR" smtClean="0"/>
-              <a:t>08/10/2015</a:t>
+              <a:t>14/10/2015</a:t>
             </a:fld>
             <a:endParaRPr lang="pt-BR"/>
           </a:p>
@@ -1613,7 +1617,7 @@
           <a:p>
             <a:fld id="{B84334A0-091B-4EF6-BB99-32DD6DC99EC4}" type="datetimeFigureOut">
               <a:rPr lang="pt-BR" smtClean="0"/>
-              <a:t>08/10/2015</a:t>
+              <a:t>14/10/2015</a:t>
             </a:fld>
             <a:endParaRPr lang="pt-BR"/>
           </a:p>
@@ -1731,7 +1735,7 @@
           <a:p>
             <a:fld id="{B84334A0-091B-4EF6-BB99-32DD6DC99EC4}" type="datetimeFigureOut">
               <a:rPr lang="pt-BR" smtClean="0"/>
-              <a:t>08/10/2015</a:t>
+              <a:t>14/10/2015</a:t>
             </a:fld>
             <a:endParaRPr lang="pt-BR"/>
           </a:p>
@@ -1826,7 +1830,7 @@
           <a:p>
             <a:fld id="{B84334A0-091B-4EF6-BB99-32DD6DC99EC4}" type="datetimeFigureOut">
               <a:rPr lang="pt-BR" smtClean="0"/>
-              <a:t>08/10/2015</a:t>
+              <a:t>14/10/2015</a:t>
             </a:fld>
             <a:endParaRPr lang="pt-BR"/>
           </a:p>
@@ -2103,7 +2107,7 @@
           <a:p>
             <a:fld id="{B84334A0-091B-4EF6-BB99-32DD6DC99EC4}" type="datetimeFigureOut">
               <a:rPr lang="pt-BR" smtClean="0"/>
-              <a:t>08/10/2015</a:t>
+              <a:t>14/10/2015</a:t>
             </a:fld>
             <a:endParaRPr lang="pt-BR"/>
           </a:p>
@@ -2356,7 +2360,7 @@
           <a:p>
             <a:fld id="{B84334A0-091B-4EF6-BB99-32DD6DC99EC4}" type="datetimeFigureOut">
               <a:rPr lang="pt-BR" smtClean="0"/>
-              <a:t>08/10/2015</a:t>
+              <a:t>14/10/2015</a:t>
             </a:fld>
             <a:endParaRPr lang="pt-BR"/>
           </a:p>
@@ -2569,7 +2573,7 @@
           <a:p>
             <a:fld id="{B84334A0-091B-4EF6-BB99-32DD6DC99EC4}" type="datetimeFigureOut">
               <a:rPr lang="pt-BR" smtClean="0"/>
-              <a:t>08/10/2015</a:t>
+              <a:t>14/10/2015</a:t>
             </a:fld>
             <a:endParaRPr lang="pt-BR"/>
           </a:p>
@@ -3066,7 +3070,7 @@
         </p:nvSpPr>
         <p:spPr>
           <a:xfrm>
-            <a:off x="2406940" y="534859"/>
+            <a:off x="1327462" y="680877"/>
             <a:ext cx="9071640" cy="1262160"/>
           </a:xfrm>
           <a:prstGeom prst="rect">
@@ -3097,6 +3101,7 @@
             </a:lvl1pPr>
           </a:lstStyle>
           <a:p>
+            <a:pPr algn="ctr"/>
             <a:r>
               <a:rPr lang="pt-BR" sz="2600" dirty="0" smtClean="0">
                 <a:solidFill>
@@ -3138,7 +3143,16 @@
                 </a:solidFill>
                 <a:latin typeface="Arial" pitchFamily="34"/>
               </a:rPr>
-              <a:t>Universidade Federal da Fronteira Sul</a:t>
+              <a:t>Universidade Federal da Fronteira </a:t>
+            </a:r>
+            <a:r>
+              <a:rPr lang="pt-BR" sz="3600" dirty="0" smtClean="0">
+                <a:solidFill>
+                  <a:srgbClr val="007826"/>
+                </a:solidFill>
+                <a:latin typeface="Arial" pitchFamily="34"/>
+              </a:rPr>
+              <a:t>Sul</a:t>
             </a:r>
             <a:endParaRPr lang="pt-BR" sz="3600" dirty="0">
               <a:solidFill>
@@ -3157,8 +3171,8 @@
         </p:nvSpPr>
         <p:spPr>
           <a:xfrm>
-            <a:off x="1371599" y="2696176"/>
-            <a:ext cx="9971904" cy="1077218"/>
+            <a:off x="615779" y="2687938"/>
+            <a:ext cx="10495006" cy="1077218"/>
           </a:xfrm>
           <a:prstGeom prst="rect">
             <a:avLst/>
@@ -3177,7 +3191,7 @@
                 <a:latin typeface="Arial" panose="020B0604020202020204" pitchFamily="34" charset="0"/>
                 <a:cs typeface="Arial" panose="020B0604020202020204" pitchFamily="34" charset="0"/>
               </a:rPr>
-              <a:t>Utilização de visão computacional em um software para reconhecimento de objetos</a:t>
+              <a:t>Desenvolvimento de um sistema para reconhecimentos de objetos utilizando visão computacional </a:t>
             </a:r>
             <a:endParaRPr lang="pt-BR" sz="3200" dirty="0">
               <a:latin typeface="Arial" panose="020B0604020202020204" pitchFamily="34" charset="0"/>
@@ -3194,7 +3208,7 @@
         </p:nvSpPr>
         <p:spPr>
           <a:xfrm>
-            <a:off x="4934725" y="4351273"/>
+            <a:off x="4440456" y="4351273"/>
             <a:ext cx="2845652" cy="800219"/>
           </a:xfrm>
           <a:prstGeom prst="rect">
@@ -3241,7 +3255,7 @@
         </p:nvSpPr>
         <p:spPr>
           <a:xfrm>
-            <a:off x="4527563" y="5443836"/>
+            <a:off x="4033294" y="5443836"/>
             <a:ext cx="3659976" cy="369332"/>
           </a:xfrm>
           <a:prstGeom prst="rect">
@@ -3292,6 +3306,13 @@
   <p:clrMapOvr>
     <a:masterClrMapping/>
   </p:clrMapOvr>
+  <p:timing>
+    <p:tnLst>
+      <p:par>
+        <p:cTn id="1" dur="indefinite" restart="never" nodeType="tmRoot"/>
+      </p:par>
+    </p:tnLst>
+  </p:timing>
 </p:sld>
 </file>
 
@@ -3396,203 +3417,6 @@
       </p:pic>
       <p:sp>
         <p:nvSpPr>
-          <p:cNvPr id="5" name="Título 1"/>
-          <p:cNvSpPr txBox="1">
-            <a:spLocks/>
-          </p:cNvSpPr>
-          <p:nvPr/>
-        </p:nvSpPr>
-        <p:spPr>
-          <a:xfrm>
-            <a:off x="1476064" y="534859"/>
-            <a:ext cx="9071640" cy="1262160"/>
-          </a:xfrm>
-          <a:prstGeom prst="rect">
-            <a:avLst/>
-          </a:prstGeom>
-        </p:spPr>
-        <p:txBody>
-          <a:bodyPr vert="horz" lIns="91440" tIns="45720" rIns="91440" bIns="45720" rtlCol="0" anchor="ctr">
-            <a:normAutofit/>
-          </a:bodyPr>
-          <a:lstStyle>
-            <a:lvl1pPr algn="l" defTabSz="914400" rtl="0" eaLnBrk="1" latinLnBrk="0" hangingPunct="1">
-              <a:lnSpc>
-                <a:spcPct val="90000"/>
-              </a:lnSpc>
-              <a:spcBef>
-                <a:spcPct val="0"/>
-              </a:spcBef>
-              <a:buNone/>
-              <a:defRPr sz="4400" kern="1200">
-                <a:solidFill>
-                  <a:schemeClr val="tx1"/>
-                </a:solidFill>
-                <a:latin typeface="+mj-lt"/>
-                <a:ea typeface="+mj-ea"/>
-                <a:cs typeface="+mj-cs"/>
-              </a:defRPr>
-            </a:lvl1pPr>
-          </a:lstStyle>
-          <a:p>
-            <a:pPr algn="ctr"/>
-            <a:r>
-              <a:rPr lang="pt-BR" dirty="0" smtClean="0">
-                <a:solidFill>
-                  <a:srgbClr val="007826"/>
-                </a:solidFill>
-                <a:latin typeface="Arial" pitchFamily="34"/>
-              </a:rPr>
-              <a:t>Referências</a:t>
-            </a:r>
-          </a:p>
-        </p:txBody>
-      </p:sp>
-      <p:sp>
-        <p:nvSpPr>
-          <p:cNvPr id="6" name="CaixaDeTexto 5"/>
-          <p:cNvSpPr txBox="1"/>
-          <p:nvPr/>
-        </p:nvSpPr>
-        <p:spPr>
-          <a:xfrm>
-            <a:off x="757881" y="2385930"/>
-            <a:ext cx="11261125" cy="369332"/>
-          </a:xfrm>
-          <a:prstGeom prst="rect">
-            <a:avLst/>
-          </a:prstGeom>
-          <a:noFill/>
-        </p:spPr>
-        <p:txBody>
-          <a:bodyPr wrap="square" rtlCol="0">
-            <a:spAutoFit/>
-          </a:bodyPr>
-          <a:lstStyle/>
-          <a:p>
-            <a:pPr algn="ctr"/>
-            <a:r>
-              <a:rPr lang="pt-BR" dirty="0" smtClean="0"/>
-              <a:t>a</a:t>
-            </a:r>
-            <a:endParaRPr lang="pt-BR" dirty="0"/>
-          </a:p>
-        </p:txBody>
-      </p:sp>
-    </p:spTree>
-    <p:extLst>
-      <p:ext uri="{BB962C8B-B14F-4D97-AF65-F5344CB8AC3E}">
-        <p14:creationId xmlns:p14="http://schemas.microsoft.com/office/powerpoint/2010/main" val="229417521"/>
-      </p:ext>
-    </p:extLst>
-  </p:cSld>
-  <p:clrMapOvr>
-    <a:masterClrMapping/>
-  </p:clrMapOvr>
-</p:sld>
-</file>
-
-<file path=ppt/slides/slide11.xml><?xml version="1.0" encoding="utf-8"?>
-<p:sld xmlns:a="http://schemas.openxmlformats.org/drawingml/2006/main" xmlns:r="http://schemas.openxmlformats.org/officeDocument/2006/relationships" xmlns:p="http://schemas.openxmlformats.org/presentationml/2006/main">
-  <p:cSld>
-    <p:spTree>
-      <p:nvGrpSpPr>
-        <p:cNvPr id="1" name=""/>
-        <p:cNvGrpSpPr/>
-        <p:nvPr/>
-      </p:nvGrpSpPr>
-      <p:grpSpPr>
-        <a:xfrm>
-          <a:off x="0" y="0"/>
-          <a:ext cx="0" cy="0"/>
-          <a:chOff x="0" y="0"/>
-          <a:chExt cx="0" cy="0"/>
-        </a:xfrm>
-      </p:grpSpPr>
-      <p:pic>
-        <p:nvPicPr>
-          <p:cNvPr id="1028" name="Picture 4" descr="http://cc.uffs.edu.br/images/Computacao/logo.png"/>
-          <p:cNvPicPr>
-            <a:picLocks noChangeAspect="1" noChangeArrowheads="1"/>
-          </p:cNvPicPr>
-          <p:nvPr/>
-        </p:nvPicPr>
-        <p:blipFill>
-          <a:blip r:embed="rId2">
-            <a:extLst>
-              <a:ext uri="{28A0092B-C50C-407E-A947-70E740481C1C}">
-                <a14:useLocalDpi xmlns:a14="http://schemas.microsoft.com/office/drawing/2010/main" val="0"/>
-              </a:ext>
-            </a:extLst>
-          </a:blip>
-          <a:srcRect/>
-          <a:stretch>
-            <a:fillRect/>
-          </a:stretch>
-        </p:blipFill>
-        <p:spPr bwMode="auto">
-          <a:xfrm>
-            <a:off x="130861" y="153859"/>
-            <a:ext cx="2143125" cy="762000"/>
-          </a:xfrm>
-          <a:prstGeom prst="rect">
-            <a:avLst/>
-          </a:prstGeom>
-          <a:noFill/>
-          <a:extLst>
-            <a:ext uri="{909E8E84-426E-40DD-AFC4-6F175D3DCCD1}">
-              <a14:hiddenFill xmlns:a14="http://schemas.microsoft.com/office/drawing/2010/main">
-                <a:solidFill>
-                  <a:srgbClr val="FFFFFF"/>
-                </a:solidFill>
-              </a14:hiddenFill>
-            </a:ext>
-          </a:extLst>
-        </p:spPr>
-      </p:pic>
-      <p:pic>
-        <p:nvPicPr>
-          <p:cNvPr id="1034" name="Picture 10" descr="http://www.uffs.edu.br/index.php?option=com_docman&amp;task=doc_view&amp;gid=2863&amp;Itemid="/>
-          <p:cNvPicPr>
-            <a:picLocks noChangeAspect="1" noChangeArrowheads="1"/>
-          </p:cNvPicPr>
-          <p:nvPr/>
-        </p:nvPicPr>
-        <p:blipFill>
-          <a:blip r:embed="rId3" cstate="print">
-            <a:extLst>
-              <a:ext uri="{28A0092B-C50C-407E-A947-70E740481C1C}">
-                <a14:useLocalDpi xmlns:a14="http://schemas.microsoft.com/office/drawing/2010/main" val="0"/>
-              </a:ext>
-            </a:extLst>
-          </a:blip>
-          <a:srcRect/>
-          <a:stretch>
-            <a:fillRect/>
-          </a:stretch>
-        </p:blipFill>
-        <p:spPr bwMode="auto">
-          <a:xfrm>
-            <a:off x="11025241" y="98856"/>
-            <a:ext cx="734264" cy="1025611"/>
-          </a:xfrm>
-          <a:prstGeom prst="rect">
-            <a:avLst/>
-          </a:prstGeom>
-          <a:noFill/>
-          <a:extLst>
-            <a:ext uri="{909E8E84-426E-40DD-AFC4-6F175D3DCCD1}">
-              <a14:hiddenFill xmlns:a14="http://schemas.microsoft.com/office/drawing/2010/main">
-                <a:solidFill>
-                  <a:srgbClr val="FFFFFF"/>
-                </a:solidFill>
-              </a14:hiddenFill>
-            </a:ext>
-          </a:extLst>
-        </p:spPr>
-      </p:pic>
-      <p:sp>
-        <p:nvSpPr>
           <p:cNvPr id="9" name="Título 1"/>
           <p:cNvSpPr txBox="1">
             <a:spLocks/>
@@ -3601,7 +3425,7 @@
         </p:nvSpPr>
         <p:spPr>
           <a:xfrm>
-            <a:off x="2406940" y="534859"/>
+            <a:off x="2113794" y="588275"/>
             <a:ext cx="9071640" cy="1262160"/>
           </a:xfrm>
           <a:prstGeom prst="rect">
@@ -3686,43 +3510,6 @@
       </p:sp>
       <p:sp>
         <p:nvSpPr>
-          <p:cNvPr id="5" name="CaixaDeTexto 4"/>
-          <p:cNvSpPr txBox="1"/>
-          <p:nvPr/>
-        </p:nvSpPr>
-        <p:spPr>
-          <a:xfrm>
-            <a:off x="1371599" y="2449443"/>
-            <a:ext cx="9971904" cy="1077218"/>
-          </a:xfrm>
-          <a:prstGeom prst="rect">
-            <a:avLst/>
-          </a:prstGeom>
-          <a:noFill/>
-        </p:spPr>
-        <p:txBody>
-          <a:bodyPr wrap="square" rtlCol="0">
-            <a:spAutoFit/>
-          </a:bodyPr>
-          <a:lstStyle/>
-          <a:p>
-            <a:pPr algn="ctr"/>
-            <a:r>
-              <a:rPr lang="pt-BR" sz="3200" dirty="0" smtClean="0">
-                <a:latin typeface="Arial" panose="020B0604020202020204" pitchFamily="34" charset="0"/>
-                <a:cs typeface="Arial" panose="020B0604020202020204" pitchFamily="34" charset="0"/>
-              </a:rPr>
-              <a:t>Utilização de visão computacional em um software para reconhecimento de objetos</a:t>
-            </a:r>
-            <a:endParaRPr lang="pt-BR" sz="3200" dirty="0">
-              <a:latin typeface="Arial" panose="020B0604020202020204" pitchFamily="34" charset="0"/>
-              <a:cs typeface="Arial" panose="020B0604020202020204" pitchFamily="34" charset="0"/>
-            </a:endParaRPr>
-          </a:p>
-        </p:txBody>
-      </p:sp>
-      <p:sp>
-        <p:nvSpPr>
           <p:cNvPr id="6" name="CaixaDeTexto 5"/>
           <p:cNvSpPr txBox="1"/>
           <p:nvPr/>
@@ -3854,6 +3641,43 @@
           </a:p>
         </p:txBody>
       </p:sp>
+      <p:sp>
+        <p:nvSpPr>
+          <p:cNvPr id="10" name="CaixaDeTexto 9"/>
+          <p:cNvSpPr txBox="1"/>
+          <p:nvPr/>
+        </p:nvSpPr>
+        <p:spPr>
+          <a:xfrm>
+            <a:off x="1110048" y="2367796"/>
+            <a:ext cx="10495006" cy="1077218"/>
+          </a:xfrm>
+          <a:prstGeom prst="rect">
+            <a:avLst/>
+          </a:prstGeom>
+          <a:noFill/>
+        </p:spPr>
+        <p:txBody>
+          <a:bodyPr wrap="square" rtlCol="0">
+            <a:spAutoFit/>
+          </a:bodyPr>
+          <a:lstStyle/>
+          <a:p>
+            <a:pPr algn="ctr"/>
+            <a:r>
+              <a:rPr lang="pt-BR" sz="3200" dirty="0" smtClean="0">
+                <a:latin typeface="Arial" panose="020B0604020202020204" pitchFamily="34" charset="0"/>
+                <a:cs typeface="Arial" panose="020B0604020202020204" pitchFamily="34" charset="0"/>
+              </a:rPr>
+              <a:t>Desenvolvimento de um sistema para reconhecimentos de objetos utilizando visão computacional </a:t>
+            </a:r>
+            <a:endParaRPr lang="pt-BR" sz="3200" dirty="0">
+              <a:latin typeface="Arial" panose="020B0604020202020204" pitchFamily="34" charset="0"/>
+              <a:cs typeface="Arial" panose="020B0604020202020204" pitchFamily="34" charset="0"/>
+            </a:endParaRPr>
+          </a:p>
+        </p:txBody>
+      </p:sp>
     </p:spTree>
     <p:extLst>
       <p:ext uri="{BB962C8B-B14F-4D97-AF65-F5344CB8AC3E}">
@@ -3864,6 +3688,13 @@
   <p:clrMapOvr>
     <a:masterClrMapping/>
   </p:clrMapOvr>
+  <p:timing>
+    <p:tnLst>
+      <p:par>
+        <p:cTn id="1" dur="indefinite" restart="never" nodeType="tmRoot"/>
+      </p:par>
+    </p:tnLst>
+  </p:timing>
 </p:sld>
 </file>
 
@@ -4123,6 +3954,13 @@
   <p:clrMapOvr>
     <a:masterClrMapping/>
   </p:clrMapOvr>
+  <p:timing>
+    <p:tnLst>
+      <p:par>
+        <p:cTn id="1" dur="indefinite" restart="never" nodeType="tmRoot"/>
+      </p:par>
+    </p:tnLst>
+  </p:timing>
 </p:sld>
 </file>
 
@@ -4287,14 +4125,14 @@
       </p:sp>
       <p:sp>
         <p:nvSpPr>
-          <p:cNvPr id="2" name="CaixaDeTexto 1"/>
+          <p:cNvPr id="9" name="CaixaDeTexto 8"/>
           <p:cNvSpPr txBox="1"/>
           <p:nvPr/>
         </p:nvSpPr>
         <p:spPr>
           <a:xfrm>
-            <a:off x="498380" y="2347388"/>
-            <a:ext cx="11261125" cy="369332"/>
+            <a:off x="381321" y="2603582"/>
+            <a:ext cx="11261125" cy="2585323"/>
           </a:xfrm>
           <a:prstGeom prst="rect">
             <a:avLst/>
@@ -4310,124 +4148,89 @@
             <a:pPr algn="ctr"/>
             <a:r>
               <a:rPr lang="pt-BR" dirty="0" smtClean="0"/>
-              <a:t>Integração cada vez mais direta entre humano e as tecnologias vestíveis que tem o intuito de facilitar certas tarefas </a:t>
-            </a:r>
+              <a:t>Facilitar o acesso a um sistema de identificação de objetos.</a:t>
+            </a:r>
+          </a:p>
+          <a:p>
+            <a:pPr algn="ctr"/>
+            <a:endParaRPr lang="pt-BR" dirty="0" smtClean="0"/>
+          </a:p>
+          <a:p>
+            <a:pPr algn="ctr"/>
+            <a:r>
+              <a:rPr lang="pt-BR" dirty="0" smtClean="0"/>
+              <a:t>Esclarecer o funcionamento da visão computacional no reconhecimento de objetos.</a:t>
+            </a:r>
+          </a:p>
+          <a:p>
+            <a:pPr algn="ctr"/>
             <a:endParaRPr lang="pt-BR" dirty="0"/>
           </a:p>
-        </p:txBody>
-      </p:sp>
-      <p:pic>
-        <p:nvPicPr>
-          <p:cNvPr id="8194" name="Picture 2" descr="http://cdn2-b.examiner.com/sites/default/files/styles/image_content_width/hash/7d/d2/7dd29ff918d755b46df71b04c79e95d1.jpg?itok=EXuhCkpz"/>
-          <p:cNvPicPr>
-            <a:picLocks noChangeAspect="1" noChangeArrowheads="1"/>
-          </p:cNvPicPr>
-          <p:nvPr/>
-        </p:nvPicPr>
-        <p:blipFill>
-          <a:blip r:embed="rId4">
-            <a:extLst>
-              <a:ext uri="{28A0092B-C50C-407E-A947-70E740481C1C}">
-                <a14:useLocalDpi xmlns:a14="http://schemas.microsoft.com/office/drawing/2010/main" val="0"/>
-              </a:ext>
-            </a:extLst>
-          </a:blip>
-          <a:srcRect/>
-          <a:stretch>
-            <a:fillRect/>
-          </a:stretch>
-        </p:blipFill>
-        <p:spPr bwMode="auto">
-          <a:xfrm>
-            <a:off x="8913340" y="4963997"/>
-            <a:ext cx="2846165" cy="1580112"/>
-          </a:xfrm>
-          <a:prstGeom prst="rect">
-            <a:avLst/>
-          </a:prstGeom>
-          <a:noFill/>
-          <a:extLst>
-            <a:ext uri="{909E8E84-426E-40DD-AFC4-6F175D3DCCD1}">
-              <a14:hiddenFill xmlns:a14="http://schemas.microsoft.com/office/drawing/2010/main">
-                <a:solidFill>
-                  <a:srgbClr val="FFFFFF"/>
-                </a:solidFill>
-              </a14:hiddenFill>
-            </a:ext>
-          </a:extLst>
-        </p:spPr>
-      </p:pic>
-      <p:pic>
-        <p:nvPicPr>
-          <p:cNvPr id="8198" name="Picture 6" descr="http://p3.publico.pt/sites/default/files/Sony-Smartwatch-2-goes-official.jpg"/>
-          <p:cNvPicPr>
-            <a:picLocks noChangeAspect="1" noChangeArrowheads="1"/>
-          </p:cNvPicPr>
-          <p:nvPr/>
-        </p:nvPicPr>
-        <p:blipFill>
-          <a:blip r:embed="rId5">
-            <a:extLst>
-              <a:ext uri="{28A0092B-C50C-407E-A947-70E740481C1C}">
-                <a14:useLocalDpi xmlns:a14="http://schemas.microsoft.com/office/drawing/2010/main" val="0"/>
-              </a:ext>
-            </a:extLst>
-          </a:blip>
-          <a:srcRect/>
-          <a:stretch>
-            <a:fillRect/>
-          </a:stretch>
-        </p:blipFill>
-        <p:spPr bwMode="auto">
-          <a:xfrm>
-            <a:off x="427425" y="4963997"/>
-            <a:ext cx="2875950" cy="1948225"/>
-          </a:xfrm>
-          <a:prstGeom prst="rect">
-            <a:avLst/>
-          </a:prstGeom>
-          <a:noFill/>
-          <a:extLst>
-            <a:ext uri="{909E8E84-426E-40DD-AFC4-6F175D3DCCD1}">
-              <a14:hiddenFill xmlns:a14="http://schemas.microsoft.com/office/drawing/2010/main">
-                <a:solidFill>
-                  <a:srgbClr val="FFFFFF"/>
-                </a:solidFill>
-              </a14:hiddenFill>
-            </a:ext>
-          </a:extLst>
-        </p:spPr>
-      </p:pic>
-      <p:sp>
-        <p:nvSpPr>
-          <p:cNvPr id="10" name="CaixaDeTexto 9"/>
-          <p:cNvSpPr txBox="1"/>
-          <p:nvPr/>
-        </p:nvSpPr>
-        <p:spPr>
-          <a:xfrm>
-            <a:off x="427425" y="3082423"/>
-            <a:ext cx="11261125" cy="646331"/>
-          </a:xfrm>
-          <a:prstGeom prst="rect">
-            <a:avLst/>
-          </a:prstGeom>
-          <a:noFill/>
-        </p:spPr>
-        <p:txBody>
-          <a:bodyPr wrap="square" rtlCol="0">
-            <a:spAutoFit/>
-          </a:bodyPr>
-          <a:lstStyle/>
           <a:p>
             <a:pPr algn="ctr"/>
             <a:r>
               <a:rPr lang="pt-BR" dirty="0" smtClean="0"/>
-              <a:t>Formas de facilitar essa integração utilizando visão computacional</a:t>
+              <a:t>Apresentar uma técnica de reconhecimento de objetos, para facilitar certas atividades, tendo em vista que um sistema como esse tem um grande número de aplicações.</a:t>
             </a:r>
           </a:p>
           <a:p>
             <a:pPr algn="ctr"/>
+            <a:endParaRPr lang="pt-BR" dirty="0"/>
+          </a:p>
+          <a:p>
+            <a:pPr algn="ctr"/>
+            <a:r>
+              <a:rPr lang="pt-BR" dirty="0" smtClean="0"/>
+              <a:t>Base nas técnicas de reconhecimento mais eficientes dentro estado-da-arte (</a:t>
+            </a:r>
+            <a:r>
+              <a:rPr lang="pt-BR" dirty="0" err="1" smtClean="0"/>
+              <a:t>Kd-tree</a:t>
+            </a:r>
+            <a:r>
+              <a:rPr lang="pt-BR" dirty="0" smtClean="0"/>
+              <a:t>, </a:t>
+            </a:r>
+            <a:r>
+              <a:rPr lang="pt-BR" dirty="0" err="1" smtClean="0"/>
+              <a:t>Kd-Forest,Locality</a:t>
+            </a:r>
+            <a:r>
+              <a:rPr lang="pt-BR" dirty="0" smtClean="0"/>
+              <a:t> </a:t>
+            </a:r>
+            <a:r>
+              <a:rPr lang="pt-BR" dirty="0" err="1" smtClean="0"/>
+              <a:t>Sensitive</a:t>
+            </a:r>
+            <a:r>
+              <a:rPr lang="pt-BR" dirty="0" smtClean="0"/>
+              <a:t> </a:t>
+            </a:r>
+            <a:r>
+              <a:rPr lang="pt-BR" dirty="0" err="1" smtClean="0"/>
+              <a:t>Hashing</a:t>
+            </a:r>
+            <a:r>
+              <a:rPr lang="pt-BR" dirty="0" smtClean="0"/>
+              <a:t> (LSH), Bah-of-</a:t>
+            </a:r>
+            <a:r>
+              <a:rPr lang="pt-BR" dirty="0" err="1" smtClean="0"/>
+              <a:t>words</a:t>
+            </a:r>
+            <a:r>
+              <a:rPr lang="pt-BR" dirty="0" smtClean="0"/>
+              <a:t> </a:t>
+            </a:r>
+            <a:r>
+              <a:rPr lang="pt-BR" dirty="0" err="1" smtClean="0"/>
+              <a:t>search</a:t>
+            </a:r>
+            <a:r>
+              <a:rPr lang="pt-BR" dirty="0" smtClean="0"/>
+              <a:t>)</a:t>
+            </a:r>
             <a:endParaRPr lang="pt-BR" dirty="0"/>
           </a:p>
         </p:txBody>
@@ -4442,6 +4245,13 @@
   <p:clrMapOvr>
     <a:masterClrMapping/>
   </p:clrMapOvr>
+  <p:timing>
+    <p:tnLst>
+      <p:par>
+        <p:cTn id="1" dur="indefinite" restart="never" nodeType="tmRoot"/>
+      </p:par>
+    </p:tnLst>
+  </p:timing>
 </p:sld>
 </file>
 
@@ -4672,6 +4482,13 @@
   <p:clrMapOvr>
     <a:masterClrMapping/>
   </p:clrMapOvr>
+  <p:timing>
+    <p:tnLst>
+      <p:par>
+        <p:cTn id="1" dur="indefinite" restart="never" nodeType="tmRoot"/>
+      </p:par>
+    </p:tnLst>
+  </p:timing>
 </p:sld>
 </file>
 
@@ -4843,7 +4660,7 @@
         <p:spPr>
           <a:xfrm>
             <a:off x="601361" y="2913152"/>
-            <a:ext cx="11261125" cy="923330"/>
+            <a:ext cx="11261125" cy="1200329"/>
           </a:xfrm>
           <a:prstGeom prst="rect">
             <a:avLst/>
@@ -4858,26 +4675,29 @@
           <a:p>
             <a:pPr algn="ctr"/>
             <a:r>
-              <a:rPr lang="pt-BR" dirty="0" smtClean="0"/>
+              <a:rPr lang="pt-BR" smtClean="0"/>
               <a:t>Implementar um software que faça leitura de uma imagem e partir dela seja capaz</a:t>
             </a:r>
           </a:p>
           <a:p>
             <a:pPr algn="ctr"/>
             <a:r>
-              <a:rPr lang="pt-BR" dirty="0" smtClean="0"/>
+              <a:rPr lang="pt-BR" smtClean="0"/>
               <a:t>de identifica-la e descreve-la ou efetuar uma determinada ação como por exemplo quando mostrado</a:t>
             </a:r>
           </a:p>
           <a:p>
             <a:pPr algn="ctr"/>
             <a:r>
-              <a:rPr lang="pt-BR" dirty="0"/>
-              <a:t>u</a:t>
-            </a:r>
-            <a:r>
-              <a:rPr lang="pt-BR" dirty="0" smtClean="0"/>
-              <a:t>ma capa de um livro seja efetuada uma pesquisa em algum buscador pelas lojas que o comercializem.</a:t>
+              <a:rPr lang="pt-BR" smtClean="0"/>
+              <a:t>uma capa de um livro seja efetuada uma pesquisa em algum buscador pelas lojas que o comercializem.</a:t>
+            </a:r>
+          </a:p>
+          <a:p>
+            <a:pPr algn="ctr"/>
+            <a:r>
+              <a:rPr lang="pt-BR" smtClean="0"/>
+              <a:t>O mesmo pode servir de apoio para pessoas com deficiência visual entre outras fazendo uso da visão computacional.</a:t>
             </a:r>
             <a:endParaRPr lang="pt-BR" dirty="0"/>
           </a:p>
@@ -4893,6 +4713,13 @@
   <p:clrMapOvr>
     <a:masterClrMapping/>
   </p:clrMapOvr>
+  <p:timing>
+    <p:tnLst>
+      <p:par>
+        <p:cTn id="1" dur="indefinite" restart="never" nodeType="tmRoot"/>
+      </p:par>
+    </p:tnLst>
+  </p:timing>
 </p:sld>
 </file>
 
@@ -5064,7 +4891,7 @@
         <p:spPr>
           <a:xfrm>
             <a:off x="2329570" y="2435357"/>
-            <a:ext cx="7364627" cy="2031325"/>
+            <a:ext cx="7364627" cy="2862322"/>
           </a:xfrm>
           <a:prstGeom prst="rect">
             <a:avLst/>
@@ -5082,7 +4909,11 @@
             </a:pPr>
             <a:r>
               <a:rPr lang="pt-BR" dirty="0" smtClean="0"/>
-              <a:t>Definir da técnica a ser usada.</a:t>
+              <a:t>Identificar técnicas de reconhecimento de objetos</a:t>
+            </a:r>
+            <a:r>
+              <a:rPr lang="pt-BR" dirty="0" smtClean="0"/>
+              <a:t/>
             </a:r>
             <a:br>
               <a:rPr lang="pt-BR" dirty="0" smtClean="0"/>
@@ -5095,7 +4926,11 @@
             </a:pPr>
             <a:r>
               <a:rPr lang="pt-BR" dirty="0" smtClean="0"/>
-              <a:t>Classificar e analisar os resultados obtidos baseando-se em outros métodos ou técnicas.</a:t>
+              <a:t>Criar uma base de dados com informações sobre objetos a serem reconhecidos</a:t>
+            </a:r>
+            <a:r>
+              <a:rPr lang="pt-BR" dirty="0" smtClean="0"/>
+              <a:t/>
             </a:r>
             <a:br>
               <a:rPr lang="pt-BR" dirty="0" smtClean="0"/>
@@ -5108,8 +4943,22 @@
             </a:pPr>
             <a:r>
               <a:rPr lang="pt-BR" dirty="0" smtClean="0"/>
-              <a:t>Definir um algoritmo para implementação da técnica de reconhecimento.</a:t>
-            </a:r>
+              <a:t>Desenvolver um software de reconhecimento de objetos a partir do processamento de imagens.</a:t>
+            </a:r>
+            <a:br>
+              <a:rPr lang="pt-BR" dirty="0" smtClean="0"/>
+            </a:br>
+            <a:endParaRPr lang="pt-BR" dirty="0" smtClean="0"/>
+          </a:p>
+          <a:p>
+            <a:pPr marL="342900" indent="-342900">
+              <a:buAutoNum type="arabicPeriod"/>
+            </a:pPr>
+            <a:r>
+              <a:rPr lang="pt-BR" dirty="0" smtClean="0"/>
+              <a:t>Analisar o desempenho do software</a:t>
+            </a:r>
+            <a:endParaRPr lang="pt-BR" dirty="0" smtClean="0"/>
           </a:p>
           <a:p>
             <a:pPr marL="342900" indent="-342900" algn="ctr">
@@ -5129,6 +4978,13 @@
   <p:clrMapOvr>
     <a:masterClrMapping/>
   </p:clrMapOvr>
+  <p:timing>
+    <p:tnLst>
+      <p:par>
+        <p:cTn id="1" dur="indefinite" restart="never" nodeType="tmRoot"/>
+      </p:par>
+    </p:tnLst>
+  </p:timing>
 </p:sld>
 </file>
 
@@ -5280,7 +5136,7 @@
                 </a:solidFill>
                 <a:latin typeface="Arial" pitchFamily="34"/>
               </a:rPr>
-              <a:t>Objetivos específicos</a:t>
+              <a:t>Metodologia</a:t>
             </a:r>
             <a:endParaRPr lang="pt-BR" dirty="0">
               <a:solidFill>
@@ -5299,8 +5155,8 @@
         </p:nvSpPr>
         <p:spPr>
           <a:xfrm>
-            <a:off x="2329570" y="2394168"/>
-            <a:ext cx="7424030" cy="2031325"/>
+            <a:off x="1744683" y="2410642"/>
+            <a:ext cx="8534401" cy="3139321"/>
           </a:xfrm>
           <a:prstGeom prst="rect">
             <a:avLst/>
@@ -5314,54 +5170,141 @@
           <a:lstStyle/>
           <a:p>
             <a:pPr marL="342900" indent="-342900">
-              <a:buFont typeface="+mj-lt"/>
-              <a:buAutoNum type="arabicPeriod" startAt="4"/>
+              <a:buAutoNum type="arabicPeriod"/>
             </a:pPr>
             <a:r>
+              <a:rPr lang="pt-BR" dirty="0" err="1" smtClean="0"/>
+              <a:t>Strings</a:t>
+            </a:r>
+            <a:r>
               <a:rPr lang="pt-BR" dirty="0" smtClean="0"/>
-              <a:t>Definir uma linguagem a ser usada na implementação.</a:t>
-            </a:r>
-            <a:br>
+              <a:t> em mecanismos de busca(IEEE, Google Scholar, ACM): </a:t>
+            </a:r>
+          </a:p>
+          <a:p>
+            <a:pPr marL="800100" lvl="1" indent="-342900">
+              <a:buAutoNum type="arabicPeriod"/>
+            </a:pPr>
+            <a:r>
+              <a:rPr lang="pt-BR" i="1" dirty="0" err="1"/>
+              <a:t>O</a:t>
+            </a:r>
+            <a:r>
+              <a:rPr lang="pt-BR" i="1" dirty="0" err="1" smtClean="0"/>
+              <a:t>bject</a:t>
+            </a:r>
+            <a:r>
+              <a:rPr lang="pt-BR" i="1" dirty="0" smtClean="0"/>
+              <a:t> </a:t>
+            </a:r>
+            <a:r>
+              <a:rPr lang="pt-BR" i="1" dirty="0" err="1"/>
+              <a:t>recognition</a:t>
+            </a:r>
+            <a:r>
+              <a:rPr lang="pt-BR" i="1" dirty="0"/>
+              <a:t> </a:t>
+            </a:r>
+            <a:r>
+              <a:rPr lang="pt-BR" i="1" dirty="0" err="1" smtClean="0"/>
+              <a:t>techniques</a:t>
+            </a:r>
+            <a:endParaRPr lang="pt-BR" i="1" dirty="0" smtClean="0"/>
+          </a:p>
+          <a:p>
+            <a:pPr marL="800100" lvl="1" indent="-342900">
+              <a:buAutoNum type="arabicPeriod"/>
+            </a:pPr>
+            <a:r>
+              <a:rPr lang="pt-BR" i="1" dirty="0" err="1" smtClean="0"/>
+              <a:t>Objetct</a:t>
+            </a:r>
+            <a:r>
+              <a:rPr lang="pt-BR" i="1" dirty="0" smtClean="0"/>
+              <a:t> </a:t>
+            </a:r>
+            <a:r>
+              <a:rPr lang="pt-BR" i="1" dirty="0" err="1" smtClean="0"/>
+              <a:t>recognition</a:t>
+            </a:r>
+            <a:r>
+              <a:rPr lang="pt-BR" i="1" dirty="0" smtClean="0"/>
+              <a:t> software</a:t>
+            </a:r>
+          </a:p>
+          <a:p>
+            <a:pPr marL="800100" lvl="1" indent="-342900">
+              <a:buAutoNum type="arabicPeriod"/>
+            </a:pPr>
+            <a:endParaRPr lang="pt-BR" i="1" dirty="0" smtClean="0"/>
+          </a:p>
+          <a:p>
+            <a:pPr marL="342900" indent="-342900">
+              <a:buAutoNum type="arabicPeriod"/>
+            </a:pPr>
+            <a:r>
               <a:rPr lang="pt-BR" dirty="0" smtClean="0"/>
-            </a:br>
-            <a:endParaRPr lang="pt-BR" dirty="0" smtClean="0"/>
+              <a:t>Leituras do material bibliográfico escolhido seguido de uma classificação por relevância.</a:t>
+            </a:r>
           </a:p>
           <a:p>
             <a:pPr marL="342900" indent="-342900">
-              <a:buFont typeface="+mj-lt"/>
-              <a:buAutoNum type="arabicPeriod" startAt="4"/>
+              <a:buAutoNum type="arabicPeriod"/>
             </a:pPr>
             <a:r>
               <a:rPr lang="pt-BR" dirty="0" smtClean="0"/>
-              <a:t>Implementar um software de reconhecimento utilizando a técnica pré-definida</a:t>
-            </a:r>
-            <a:br>
+              <a:t>Escolha da técnica baseando-se no que foi lido.</a:t>
+            </a:r>
+          </a:p>
+          <a:p>
+            <a:pPr marL="342900" indent="-342900">
+              <a:buAutoNum type="arabicPeriod"/>
+            </a:pPr>
+            <a:r>
               <a:rPr lang="pt-BR" dirty="0" smtClean="0"/>
-            </a:br>
-            <a:endParaRPr lang="pt-BR" dirty="0" smtClean="0"/>
+              <a:t>Proposta do software</a:t>
+            </a:r>
           </a:p>
           <a:p>
             <a:pPr marL="342900" indent="-342900">
-              <a:buFont typeface="+mj-lt"/>
-              <a:buAutoNum type="arabicPeriod" startAt="4"/>
+              <a:buAutoNum type="arabicPeriod"/>
             </a:pPr>
             <a:r>
               <a:rPr lang="pt-BR" dirty="0" smtClean="0"/>
-              <a:t>Efetuar análises e comparações do algoritmo implementado para comprovar sua eficiência.</a:t>
-            </a:r>
+              <a:t>Validação de resultados</a:t>
+            </a:r>
+          </a:p>
+          <a:p>
+            <a:pPr marL="342900" indent="-342900">
+              <a:buAutoNum type="arabicPeriod"/>
+            </a:pPr>
+            <a:r>
+              <a:rPr lang="pt-BR" i="1" dirty="0" smtClean="0"/>
+              <a:t>Benchmark</a:t>
+            </a:r>
+          </a:p>
+          <a:p>
+            <a:endParaRPr lang="pt-BR" i="1" u="sng" dirty="0"/>
           </a:p>
         </p:txBody>
       </p:sp>
     </p:spTree>
     <p:extLst>
       <p:ext uri="{BB962C8B-B14F-4D97-AF65-F5344CB8AC3E}">
-        <p14:creationId xmlns:p14="http://schemas.microsoft.com/office/powerpoint/2010/main" val="337410172"/>
+        <p14:creationId xmlns:p14="http://schemas.microsoft.com/office/powerpoint/2010/main" val="3907756999"/>
       </p:ext>
     </p:extLst>
   </p:cSld>
   <p:clrMapOvr>
     <a:masterClrMapping/>
   </p:clrMapOvr>
+  <p:timing>
+    <p:tnLst>
+      <p:par>
+        <p:cTn id="1" dur="indefinite" restart="never" nodeType="tmRoot"/>
+      </p:par>
+    </p:tnLst>
+  </p:timing>
 </p:sld>
 </file>
 
@@ -5513,132 +5456,1862 @@
                 </a:solidFill>
                 <a:latin typeface="Arial" pitchFamily="34"/>
               </a:rPr>
-              <a:t>Metodologia</a:t>
-            </a:r>
-            <a:endParaRPr lang="pt-BR" dirty="0">
-              <a:solidFill>
-                <a:srgbClr val="007826"/>
-              </a:solidFill>
-              <a:latin typeface="Arial" pitchFamily="34"/>
-            </a:endParaRPr>
-          </a:p>
-        </p:txBody>
-      </p:sp>
-      <p:sp>
-        <p:nvSpPr>
-          <p:cNvPr id="6" name="CaixaDeTexto 5"/>
-          <p:cNvSpPr txBox="1"/>
-          <p:nvPr/>
-        </p:nvSpPr>
-        <p:spPr>
-          <a:xfrm>
-            <a:off x="1744683" y="2410642"/>
-            <a:ext cx="8534401" cy="2308324"/>
-          </a:xfrm>
-          <a:prstGeom prst="rect">
-            <a:avLst/>
-          </a:prstGeom>
-          <a:noFill/>
-        </p:spPr>
-        <p:txBody>
-          <a:bodyPr wrap="square" rtlCol="0">
-            <a:spAutoFit/>
-          </a:bodyPr>
-          <a:lstStyle/>
-          <a:p>
-            <a:pPr marL="342900" indent="-342900">
-              <a:buAutoNum type="arabicPeriod"/>
-            </a:pPr>
-            <a:r>
-              <a:rPr lang="pt-BR" dirty="0" err="1" smtClean="0"/>
-              <a:t>String</a:t>
-            </a:r>
-            <a:r>
-              <a:rPr lang="pt-BR" dirty="0" smtClean="0"/>
-              <a:t> de busca no site da IEEE : </a:t>
-            </a:r>
-            <a:r>
-              <a:rPr lang="pt-BR" i="1" dirty="0" err="1"/>
-              <a:t>object</a:t>
-            </a:r>
-            <a:r>
-              <a:rPr lang="pt-BR" i="1" dirty="0"/>
-              <a:t> </a:t>
-            </a:r>
-            <a:r>
-              <a:rPr lang="pt-BR" i="1" dirty="0" err="1"/>
-              <a:t>recognition</a:t>
-            </a:r>
-            <a:r>
-              <a:rPr lang="pt-BR" i="1" dirty="0"/>
-              <a:t> </a:t>
-            </a:r>
-            <a:r>
-              <a:rPr lang="pt-BR" i="1" dirty="0" err="1" smtClean="0"/>
-              <a:t>techniques</a:t>
-            </a:r>
-            <a:endParaRPr lang="pt-BR" i="1" dirty="0" smtClean="0"/>
-          </a:p>
-          <a:p>
-            <a:pPr marL="342900" indent="-342900">
-              <a:buAutoNum type="arabicPeriod"/>
-            </a:pPr>
-            <a:r>
-              <a:rPr lang="pt-BR" dirty="0" smtClean="0"/>
-              <a:t>Leituras do material bibliográfico escolhido seguido de uma classificação por relevância.</a:t>
-            </a:r>
-          </a:p>
-          <a:p>
-            <a:pPr marL="342900" indent="-342900">
-              <a:buAutoNum type="arabicPeriod"/>
-            </a:pPr>
-            <a:r>
-              <a:rPr lang="pt-BR" dirty="0" smtClean="0"/>
-              <a:t>Escolha da técnica baseando-se no que foi lido.</a:t>
-            </a:r>
-          </a:p>
-          <a:p>
-            <a:pPr marL="342900" indent="-342900">
-              <a:buAutoNum type="arabicPeriod"/>
-            </a:pPr>
-            <a:r>
-              <a:rPr lang="pt-BR" dirty="0" smtClean="0"/>
-              <a:t>Proposta do software</a:t>
-            </a:r>
-          </a:p>
-          <a:p>
-            <a:pPr marL="342900" indent="-342900">
-              <a:buAutoNum type="arabicPeriod"/>
-            </a:pPr>
-            <a:r>
-              <a:rPr lang="pt-BR" dirty="0" smtClean="0"/>
-              <a:t>Validação de resultados</a:t>
-            </a:r>
-          </a:p>
-          <a:p>
-            <a:pPr marL="342900" indent="-342900">
-              <a:buAutoNum type="arabicPeriod"/>
-            </a:pPr>
-            <a:r>
-              <a:rPr lang="pt-BR" i="1" dirty="0" smtClean="0"/>
-              <a:t>Benchmark</a:t>
-            </a:r>
-          </a:p>
-          <a:p>
-            <a:endParaRPr lang="pt-BR" i="1" u="sng" dirty="0"/>
-          </a:p>
-        </p:txBody>
-      </p:sp>
+              <a:t>Cronograma</a:t>
+            </a:r>
+          </a:p>
+        </p:txBody>
+      </p:sp>
+      <p:graphicFrame>
+        <p:nvGraphicFramePr>
+          <p:cNvPr id="2" name="Tabela 1"/>
+          <p:cNvGraphicFramePr>
+            <a:graphicFrameLocks noGrp="1"/>
+          </p:cNvGraphicFramePr>
+          <p:nvPr>
+            <p:extLst>
+              <p:ext uri="{D42A27DB-BD31-4B8C-83A1-F6EECF244321}">
+                <p14:modId xmlns:p14="http://schemas.microsoft.com/office/powerpoint/2010/main" val="316046862"/>
+              </p:ext>
+            </p:extLst>
+          </p:nvPr>
+        </p:nvGraphicFramePr>
+        <p:xfrm>
+          <a:off x="823019" y="1920587"/>
+          <a:ext cx="10377729" cy="4079240"/>
+        </p:xfrm>
+        <a:graphic>
+          <a:graphicData uri="http://schemas.openxmlformats.org/drawingml/2006/table">
+            <a:tbl>
+              <a:tblPr firstRow="1" bandRow="1">
+                <a:tableStyleId>{69CF1AB2-1976-4502-BF36-3FF5EA218861}</a:tableStyleId>
+              </a:tblPr>
+              <a:tblGrid>
+                <a:gridCol w="3512071"/>
+                <a:gridCol w="584886"/>
+                <a:gridCol w="502508"/>
+                <a:gridCol w="576649"/>
+                <a:gridCol w="576648"/>
+                <a:gridCol w="593125"/>
+                <a:gridCol w="576648"/>
+                <a:gridCol w="626076"/>
+                <a:gridCol w="634314"/>
+                <a:gridCol w="568410"/>
+                <a:gridCol w="626076"/>
+                <a:gridCol w="551935"/>
+                <a:gridCol w="448383"/>
+              </a:tblGrid>
+              <a:tr h="370840">
+                <a:tc>
+                  <a:txBody>
+                    <a:bodyPr/>
+                    <a:lstStyle/>
+                    <a:p>
+                      <a:r>
+                        <a:rPr lang="pt-BR" dirty="0" smtClean="0"/>
+                        <a:t>Tarefa</a:t>
+                      </a:r>
+                      <a:endParaRPr lang="pt-BR" dirty="0"/>
+                    </a:p>
+                  </a:txBody>
+                  <a:tcPr/>
+                </a:tc>
+                <a:tc>
+                  <a:txBody>
+                    <a:bodyPr/>
+                    <a:lstStyle/>
+                    <a:p>
+                      <a:r>
+                        <a:rPr lang="pt-BR" dirty="0" err="1" smtClean="0"/>
+                        <a:t>Ago</a:t>
+                      </a:r>
+                      <a:endParaRPr lang="pt-BR" dirty="0"/>
+                    </a:p>
+                  </a:txBody>
+                  <a:tcPr/>
+                </a:tc>
+                <a:tc>
+                  <a:txBody>
+                    <a:bodyPr/>
+                    <a:lstStyle/>
+                    <a:p>
+                      <a:r>
+                        <a:rPr lang="pt-BR" dirty="0" smtClean="0"/>
+                        <a:t>Set</a:t>
+                      </a:r>
+                      <a:endParaRPr lang="pt-BR" dirty="0"/>
+                    </a:p>
+                  </a:txBody>
+                  <a:tcPr/>
+                </a:tc>
+                <a:tc>
+                  <a:txBody>
+                    <a:bodyPr/>
+                    <a:lstStyle/>
+                    <a:p>
+                      <a:r>
+                        <a:rPr lang="pt-BR" dirty="0" smtClean="0"/>
+                        <a:t>Out</a:t>
+                      </a:r>
+                      <a:endParaRPr lang="pt-BR" dirty="0"/>
+                    </a:p>
+                  </a:txBody>
+                  <a:tcPr/>
+                </a:tc>
+                <a:tc>
+                  <a:txBody>
+                    <a:bodyPr/>
+                    <a:lstStyle/>
+                    <a:p>
+                      <a:r>
+                        <a:rPr lang="pt-BR" dirty="0" err="1" smtClean="0"/>
+                        <a:t>Nov</a:t>
+                      </a:r>
+                      <a:endParaRPr lang="pt-BR" dirty="0"/>
+                    </a:p>
+                  </a:txBody>
+                  <a:tcPr/>
+                </a:tc>
+                <a:tc>
+                  <a:txBody>
+                    <a:bodyPr/>
+                    <a:lstStyle/>
+                    <a:p>
+                      <a:r>
+                        <a:rPr lang="pt-BR" dirty="0" smtClean="0"/>
+                        <a:t>Dez</a:t>
+                      </a:r>
+                      <a:endParaRPr lang="pt-BR" dirty="0"/>
+                    </a:p>
+                  </a:txBody>
+                  <a:tcPr/>
+                </a:tc>
+                <a:tc>
+                  <a:txBody>
+                    <a:bodyPr/>
+                    <a:lstStyle/>
+                    <a:p>
+                      <a:r>
+                        <a:rPr lang="pt-BR" dirty="0" smtClean="0"/>
+                        <a:t>Jan</a:t>
+                      </a:r>
+                      <a:endParaRPr lang="pt-BR" dirty="0"/>
+                    </a:p>
+                  </a:txBody>
+                  <a:tcPr/>
+                </a:tc>
+                <a:tc>
+                  <a:txBody>
+                    <a:bodyPr/>
+                    <a:lstStyle/>
+                    <a:p>
+                      <a:r>
+                        <a:rPr lang="pt-BR" dirty="0" err="1" smtClean="0"/>
+                        <a:t>Fev</a:t>
+                      </a:r>
+                      <a:endParaRPr lang="pt-BR" dirty="0"/>
+                    </a:p>
+                  </a:txBody>
+                  <a:tcPr/>
+                </a:tc>
+                <a:tc>
+                  <a:txBody>
+                    <a:bodyPr/>
+                    <a:lstStyle/>
+                    <a:p>
+                      <a:r>
+                        <a:rPr lang="pt-BR" dirty="0" smtClean="0"/>
+                        <a:t>Mar</a:t>
+                      </a:r>
+                      <a:endParaRPr lang="pt-BR" dirty="0"/>
+                    </a:p>
+                  </a:txBody>
+                  <a:tcPr/>
+                </a:tc>
+                <a:tc>
+                  <a:txBody>
+                    <a:bodyPr/>
+                    <a:lstStyle/>
+                    <a:p>
+                      <a:r>
+                        <a:rPr lang="pt-BR" dirty="0" err="1" smtClean="0"/>
+                        <a:t>Abr</a:t>
+                      </a:r>
+                      <a:endParaRPr lang="pt-BR" dirty="0"/>
+                    </a:p>
+                  </a:txBody>
+                  <a:tcPr/>
+                </a:tc>
+                <a:tc>
+                  <a:txBody>
+                    <a:bodyPr/>
+                    <a:lstStyle/>
+                    <a:p>
+                      <a:r>
+                        <a:rPr lang="pt-BR" dirty="0" smtClean="0"/>
+                        <a:t>Mai</a:t>
+                      </a:r>
+                      <a:endParaRPr lang="pt-BR" dirty="0"/>
+                    </a:p>
+                  </a:txBody>
+                  <a:tcPr/>
+                </a:tc>
+                <a:tc>
+                  <a:txBody>
+                    <a:bodyPr/>
+                    <a:lstStyle/>
+                    <a:p>
+                      <a:r>
+                        <a:rPr lang="pt-BR" dirty="0" err="1" smtClean="0"/>
+                        <a:t>Jun</a:t>
+                      </a:r>
+                      <a:endParaRPr lang="pt-BR" dirty="0"/>
+                    </a:p>
+                  </a:txBody>
+                  <a:tcPr/>
+                </a:tc>
+                <a:tc>
+                  <a:txBody>
+                    <a:bodyPr/>
+                    <a:lstStyle/>
+                    <a:p>
+                      <a:r>
+                        <a:rPr lang="pt-BR" dirty="0" err="1" smtClean="0"/>
+                        <a:t>Jul</a:t>
+                      </a:r>
+                      <a:endParaRPr lang="pt-BR" dirty="0"/>
+                    </a:p>
+                  </a:txBody>
+                  <a:tcPr/>
+                </a:tc>
+              </a:tr>
+              <a:tr h="370840">
+                <a:tc>
+                  <a:txBody>
+                    <a:bodyPr/>
+                    <a:lstStyle/>
+                    <a:p>
+                      <a:r>
+                        <a:rPr lang="pt-BR" dirty="0" smtClean="0"/>
+                        <a:t>Revisão</a:t>
+                      </a:r>
+                      <a:r>
+                        <a:rPr lang="pt-BR" baseline="0" dirty="0" smtClean="0"/>
+                        <a:t> bibliográfica</a:t>
+                      </a:r>
+                      <a:endParaRPr lang="pt-BR" dirty="0"/>
+                    </a:p>
+                  </a:txBody>
+                  <a:tcPr/>
+                </a:tc>
+                <a:tc>
+                  <a:txBody>
+                    <a:bodyPr/>
+                    <a:lstStyle/>
+                    <a:p>
+                      <a:pPr algn="ctr"/>
+                      <a:r>
+                        <a:rPr lang="pt-BR" dirty="0" smtClean="0"/>
+                        <a:t>X</a:t>
+                      </a:r>
+                      <a:endParaRPr lang="pt-BR" dirty="0"/>
+                    </a:p>
+                  </a:txBody>
+                  <a:tcPr/>
+                </a:tc>
+                <a:tc>
+                  <a:txBody>
+                    <a:bodyPr/>
+                    <a:lstStyle/>
+                    <a:p>
+                      <a:pPr algn="ctr"/>
+                      <a:r>
+                        <a:rPr lang="pt-BR" dirty="0" smtClean="0"/>
+                        <a:t>X</a:t>
+                      </a:r>
+                      <a:endParaRPr lang="pt-BR" dirty="0"/>
+                    </a:p>
+                  </a:txBody>
+                  <a:tcPr/>
+                </a:tc>
+                <a:tc>
+                  <a:txBody>
+                    <a:bodyPr/>
+                    <a:lstStyle/>
+                    <a:p>
+                      <a:pPr algn="ctr"/>
+                      <a:r>
+                        <a:rPr lang="pt-BR" dirty="0" smtClean="0"/>
+                        <a:t>X</a:t>
+                      </a:r>
+                      <a:endParaRPr lang="pt-BR" dirty="0"/>
+                    </a:p>
+                  </a:txBody>
+                  <a:tcPr/>
+                </a:tc>
+                <a:tc>
+                  <a:txBody>
+                    <a:bodyPr/>
+                    <a:lstStyle/>
+                    <a:p>
+                      <a:pPr algn="ctr"/>
+                      <a:endParaRPr lang="pt-BR" dirty="0"/>
+                    </a:p>
+                  </a:txBody>
+                  <a:tcPr/>
+                </a:tc>
+                <a:tc>
+                  <a:txBody>
+                    <a:bodyPr/>
+                    <a:lstStyle/>
+                    <a:p>
+                      <a:pPr algn="ctr"/>
+                      <a:endParaRPr lang="pt-BR" dirty="0"/>
+                    </a:p>
+                  </a:txBody>
+                  <a:tcPr/>
+                </a:tc>
+                <a:tc>
+                  <a:txBody>
+                    <a:bodyPr/>
+                    <a:lstStyle/>
+                    <a:p>
+                      <a:pPr algn="ctr"/>
+                      <a:endParaRPr lang="pt-BR" dirty="0"/>
+                    </a:p>
+                  </a:txBody>
+                  <a:tcPr/>
+                </a:tc>
+                <a:tc>
+                  <a:txBody>
+                    <a:bodyPr/>
+                    <a:lstStyle/>
+                    <a:p>
+                      <a:pPr algn="ctr"/>
+                      <a:endParaRPr lang="pt-BR" dirty="0"/>
+                    </a:p>
+                  </a:txBody>
+                  <a:tcPr/>
+                </a:tc>
+                <a:tc>
+                  <a:txBody>
+                    <a:bodyPr/>
+                    <a:lstStyle/>
+                    <a:p>
+                      <a:pPr algn="ctr"/>
+                      <a:endParaRPr lang="pt-BR" dirty="0"/>
+                    </a:p>
+                  </a:txBody>
+                  <a:tcPr/>
+                </a:tc>
+                <a:tc>
+                  <a:txBody>
+                    <a:bodyPr/>
+                    <a:lstStyle/>
+                    <a:p>
+                      <a:pPr algn="ctr"/>
+                      <a:endParaRPr lang="pt-BR" dirty="0"/>
+                    </a:p>
+                  </a:txBody>
+                  <a:tcPr/>
+                </a:tc>
+                <a:tc>
+                  <a:txBody>
+                    <a:bodyPr/>
+                    <a:lstStyle/>
+                    <a:p>
+                      <a:pPr algn="ctr"/>
+                      <a:endParaRPr lang="pt-BR" dirty="0"/>
+                    </a:p>
+                  </a:txBody>
+                  <a:tcPr/>
+                </a:tc>
+                <a:tc>
+                  <a:txBody>
+                    <a:bodyPr/>
+                    <a:lstStyle/>
+                    <a:p>
+                      <a:pPr algn="ctr"/>
+                      <a:endParaRPr lang="pt-BR" dirty="0"/>
+                    </a:p>
+                  </a:txBody>
+                  <a:tcPr/>
+                </a:tc>
+                <a:tc>
+                  <a:txBody>
+                    <a:bodyPr/>
+                    <a:lstStyle/>
+                    <a:p>
+                      <a:pPr algn="ctr"/>
+                      <a:endParaRPr lang="pt-BR" dirty="0"/>
+                    </a:p>
+                  </a:txBody>
+                  <a:tcPr/>
+                </a:tc>
+              </a:tr>
+              <a:tr h="370840">
+                <a:tc>
+                  <a:txBody>
+                    <a:bodyPr/>
+                    <a:lstStyle/>
+                    <a:p>
+                      <a:r>
+                        <a:rPr lang="pt-BR" dirty="0" smtClean="0"/>
+                        <a:t>Estudo</a:t>
+                      </a:r>
+                      <a:r>
+                        <a:rPr lang="pt-BR" baseline="0" dirty="0" smtClean="0"/>
+                        <a:t> dos artigos</a:t>
+                      </a:r>
+                    </a:p>
+                  </a:txBody>
+                  <a:tcPr/>
+                </a:tc>
+                <a:tc>
+                  <a:txBody>
+                    <a:bodyPr/>
+                    <a:lstStyle/>
+                    <a:p>
+                      <a:pPr algn="ctr"/>
+                      <a:endParaRPr lang="pt-BR"/>
+                    </a:p>
+                  </a:txBody>
+                  <a:tcPr/>
+                </a:tc>
+                <a:tc>
+                  <a:txBody>
+                    <a:bodyPr/>
+                    <a:lstStyle/>
+                    <a:p>
+                      <a:pPr algn="ctr"/>
+                      <a:endParaRPr lang="pt-BR" dirty="0"/>
+                    </a:p>
+                  </a:txBody>
+                  <a:tcPr/>
+                </a:tc>
+                <a:tc>
+                  <a:txBody>
+                    <a:bodyPr/>
+                    <a:lstStyle/>
+                    <a:p>
+                      <a:pPr algn="ctr"/>
+                      <a:r>
+                        <a:rPr lang="pt-BR" dirty="0" smtClean="0"/>
+                        <a:t>X</a:t>
+                      </a:r>
+                      <a:endParaRPr lang="pt-BR" dirty="0"/>
+                    </a:p>
+                  </a:txBody>
+                  <a:tcPr/>
+                </a:tc>
+                <a:tc>
+                  <a:txBody>
+                    <a:bodyPr/>
+                    <a:lstStyle/>
+                    <a:p>
+                      <a:pPr algn="ctr"/>
+                      <a:r>
+                        <a:rPr lang="pt-BR" dirty="0" smtClean="0"/>
+                        <a:t>X</a:t>
+                      </a:r>
+                      <a:endParaRPr lang="pt-BR" dirty="0"/>
+                    </a:p>
+                  </a:txBody>
+                  <a:tcPr/>
+                </a:tc>
+                <a:tc>
+                  <a:txBody>
+                    <a:bodyPr/>
+                    <a:lstStyle/>
+                    <a:p>
+                      <a:pPr algn="ctr"/>
+                      <a:endParaRPr lang="pt-BR" dirty="0"/>
+                    </a:p>
+                  </a:txBody>
+                  <a:tcPr/>
+                </a:tc>
+                <a:tc>
+                  <a:txBody>
+                    <a:bodyPr/>
+                    <a:lstStyle/>
+                    <a:p>
+                      <a:pPr algn="ctr"/>
+                      <a:endParaRPr lang="pt-BR"/>
+                    </a:p>
+                  </a:txBody>
+                  <a:tcPr/>
+                </a:tc>
+                <a:tc>
+                  <a:txBody>
+                    <a:bodyPr/>
+                    <a:lstStyle/>
+                    <a:p>
+                      <a:pPr algn="ctr"/>
+                      <a:endParaRPr lang="pt-BR"/>
+                    </a:p>
+                  </a:txBody>
+                  <a:tcPr/>
+                </a:tc>
+                <a:tc>
+                  <a:txBody>
+                    <a:bodyPr/>
+                    <a:lstStyle/>
+                    <a:p>
+                      <a:pPr algn="ctr"/>
+                      <a:endParaRPr lang="pt-BR"/>
+                    </a:p>
+                  </a:txBody>
+                  <a:tcPr/>
+                </a:tc>
+                <a:tc>
+                  <a:txBody>
+                    <a:bodyPr/>
+                    <a:lstStyle/>
+                    <a:p>
+                      <a:pPr algn="ctr"/>
+                      <a:endParaRPr lang="pt-BR"/>
+                    </a:p>
+                  </a:txBody>
+                  <a:tcPr/>
+                </a:tc>
+                <a:tc>
+                  <a:txBody>
+                    <a:bodyPr/>
+                    <a:lstStyle/>
+                    <a:p>
+                      <a:pPr algn="ctr"/>
+                      <a:endParaRPr lang="pt-BR"/>
+                    </a:p>
+                  </a:txBody>
+                  <a:tcPr/>
+                </a:tc>
+                <a:tc>
+                  <a:txBody>
+                    <a:bodyPr/>
+                    <a:lstStyle/>
+                    <a:p>
+                      <a:pPr algn="ctr"/>
+                      <a:endParaRPr lang="pt-BR"/>
+                    </a:p>
+                  </a:txBody>
+                  <a:tcPr/>
+                </a:tc>
+                <a:tc>
+                  <a:txBody>
+                    <a:bodyPr/>
+                    <a:lstStyle/>
+                    <a:p>
+                      <a:pPr algn="ctr"/>
+                      <a:endParaRPr lang="pt-BR"/>
+                    </a:p>
+                  </a:txBody>
+                  <a:tcPr/>
+                </a:tc>
+              </a:tr>
+              <a:tr h="370840">
+                <a:tc>
+                  <a:txBody>
+                    <a:bodyPr/>
+                    <a:lstStyle/>
+                    <a:p>
+                      <a:r>
+                        <a:rPr lang="pt-BR" dirty="0" smtClean="0"/>
+                        <a:t>Definição técnica</a:t>
+                      </a:r>
+                      <a:endParaRPr lang="pt-BR" dirty="0"/>
+                    </a:p>
+                  </a:txBody>
+                  <a:tcPr/>
+                </a:tc>
+                <a:tc>
+                  <a:txBody>
+                    <a:bodyPr/>
+                    <a:lstStyle/>
+                    <a:p>
+                      <a:pPr algn="ctr"/>
+                      <a:endParaRPr lang="pt-BR"/>
+                    </a:p>
+                  </a:txBody>
+                  <a:tcPr/>
+                </a:tc>
+                <a:tc>
+                  <a:txBody>
+                    <a:bodyPr/>
+                    <a:lstStyle/>
+                    <a:p>
+                      <a:pPr algn="ctr"/>
+                      <a:endParaRPr lang="pt-BR"/>
+                    </a:p>
+                  </a:txBody>
+                  <a:tcPr/>
+                </a:tc>
+                <a:tc>
+                  <a:txBody>
+                    <a:bodyPr/>
+                    <a:lstStyle/>
+                    <a:p>
+                      <a:pPr algn="ctr"/>
+                      <a:endParaRPr lang="pt-BR" dirty="0"/>
+                    </a:p>
+                  </a:txBody>
+                  <a:tcPr/>
+                </a:tc>
+                <a:tc>
+                  <a:txBody>
+                    <a:bodyPr/>
+                    <a:lstStyle/>
+                    <a:p>
+                      <a:pPr algn="ctr"/>
+                      <a:r>
+                        <a:rPr lang="pt-BR" dirty="0" smtClean="0"/>
+                        <a:t>X</a:t>
+                      </a:r>
+                      <a:endParaRPr lang="pt-BR" dirty="0"/>
+                    </a:p>
+                  </a:txBody>
+                  <a:tcPr/>
+                </a:tc>
+                <a:tc>
+                  <a:txBody>
+                    <a:bodyPr/>
+                    <a:lstStyle/>
+                    <a:p>
+                      <a:pPr algn="ctr"/>
+                      <a:r>
+                        <a:rPr lang="pt-BR" dirty="0" smtClean="0"/>
+                        <a:t>X</a:t>
+                      </a:r>
+                      <a:endParaRPr lang="pt-BR" dirty="0"/>
+                    </a:p>
+                  </a:txBody>
+                  <a:tcPr/>
+                </a:tc>
+                <a:tc>
+                  <a:txBody>
+                    <a:bodyPr/>
+                    <a:lstStyle/>
+                    <a:p>
+                      <a:pPr algn="ctr"/>
+                      <a:endParaRPr lang="pt-BR" dirty="0"/>
+                    </a:p>
+                  </a:txBody>
+                  <a:tcPr/>
+                </a:tc>
+                <a:tc>
+                  <a:txBody>
+                    <a:bodyPr/>
+                    <a:lstStyle/>
+                    <a:p>
+                      <a:pPr algn="ctr"/>
+                      <a:endParaRPr lang="pt-BR" dirty="0"/>
+                    </a:p>
+                  </a:txBody>
+                  <a:tcPr/>
+                </a:tc>
+                <a:tc>
+                  <a:txBody>
+                    <a:bodyPr/>
+                    <a:lstStyle/>
+                    <a:p>
+                      <a:pPr algn="ctr"/>
+                      <a:endParaRPr lang="pt-BR"/>
+                    </a:p>
+                  </a:txBody>
+                  <a:tcPr/>
+                </a:tc>
+                <a:tc>
+                  <a:txBody>
+                    <a:bodyPr/>
+                    <a:lstStyle/>
+                    <a:p>
+                      <a:pPr algn="ctr"/>
+                      <a:endParaRPr lang="pt-BR"/>
+                    </a:p>
+                  </a:txBody>
+                  <a:tcPr/>
+                </a:tc>
+                <a:tc>
+                  <a:txBody>
+                    <a:bodyPr/>
+                    <a:lstStyle/>
+                    <a:p>
+                      <a:pPr algn="ctr"/>
+                      <a:endParaRPr lang="pt-BR"/>
+                    </a:p>
+                  </a:txBody>
+                  <a:tcPr/>
+                </a:tc>
+                <a:tc>
+                  <a:txBody>
+                    <a:bodyPr/>
+                    <a:lstStyle/>
+                    <a:p>
+                      <a:pPr algn="ctr"/>
+                      <a:endParaRPr lang="pt-BR"/>
+                    </a:p>
+                  </a:txBody>
+                  <a:tcPr/>
+                </a:tc>
+                <a:tc>
+                  <a:txBody>
+                    <a:bodyPr/>
+                    <a:lstStyle/>
+                    <a:p>
+                      <a:pPr algn="ctr"/>
+                      <a:endParaRPr lang="pt-BR"/>
+                    </a:p>
+                  </a:txBody>
+                  <a:tcPr/>
+                </a:tc>
+              </a:tr>
+              <a:tr h="370840">
+                <a:tc>
+                  <a:txBody>
+                    <a:bodyPr/>
+                    <a:lstStyle/>
+                    <a:p>
+                      <a:r>
+                        <a:rPr lang="pt-BR" dirty="0" smtClean="0"/>
+                        <a:t>Estudo técnica </a:t>
+                      </a:r>
+                      <a:endParaRPr lang="pt-BR" dirty="0"/>
+                    </a:p>
+                  </a:txBody>
+                  <a:tcPr/>
+                </a:tc>
+                <a:tc>
+                  <a:txBody>
+                    <a:bodyPr/>
+                    <a:lstStyle/>
+                    <a:p>
+                      <a:pPr algn="ctr"/>
+                      <a:endParaRPr lang="pt-BR"/>
+                    </a:p>
+                  </a:txBody>
+                  <a:tcPr/>
+                </a:tc>
+                <a:tc>
+                  <a:txBody>
+                    <a:bodyPr/>
+                    <a:lstStyle/>
+                    <a:p>
+                      <a:pPr algn="ctr"/>
+                      <a:endParaRPr lang="pt-BR"/>
+                    </a:p>
+                  </a:txBody>
+                  <a:tcPr/>
+                </a:tc>
+                <a:tc>
+                  <a:txBody>
+                    <a:bodyPr/>
+                    <a:lstStyle/>
+                    <a:p>
+                      <a:pPr algn="ctr"/>
+                      <a:endParaRPr lang="pt-BR"/>
+                    </a:p>
+                  </a:txBody>
+                  <a:tcPr/>
+                </a:tc>
+                <a:tc>
+                  <a:txBody>
+                    <a:bodyPr/>
+                    <a:lstStyle/>
+                    <a:p>
+                      <a:pPr algn="ctr"/>
+                      <a:r>
+                        <a:rPr lang="pt-BR" dirty="0" smtClean="0"/>
+                        <a:t>X</a:t>
+                      </a:r>
+                      <a:endParaRPr lang="pt-BR" dirty="0"/>
+                    </a:p>
+                  </a:txBody>
+                  <a:tcPr/>
+                </a:tc>
+                <a:tc>
+                  <a:txBody>
+                    <a:bodyPr/>
+                    <a:lstStyle/>
+                    <a:p>
+                      <a:pPr algn="ctr"/>
+                      <a:r>
+                        <a:rPr lang="pt-BR" dirty="0" smtClean="0"/>
+                        <a:t>X</a:t>
+                      </a:r>
+                      <a:endParaRPr lang="pt-BR" dirty="0"/>
+                    </a:p>
+                  </a:txBody>
+                  <a:tcPr/>
+                </a:tc>
+                <a:tc>
+                  <a:txBody>
+                    <a:bodyPr/>
+                    <a:lstStyle/>
+                    <a:p>
+                      <a:pPr algn="ctr"/>
+                      <a:r>
+                        <a:rPr lang="pt-BR" dirty="0" smtClean="0"/>
+                        <a:t>X</a:t>
+                      </a:r>
+                      <a:endParaRPr lang="pt-BR" dirty="0"/>
+                    </a:p>
+                  </a:txBody>
+                  <a:tcPr/>
+                </a:tc>
+                <a:tc>
+                  <a:txBody>
+                    <a:bodyPr/>
+                    <a:lstStyle/>
+                    <a:p>
+                      <a:pPr algn="ctr"/>
+                      <a:endParaRPr lang="pt-BR" dirty="0"/>
+                    </a:p>
+                  </a:txBody>
+                  <a:tcPr/>
+                </a:tc>
+                <a:tc>
+                  <a:txBody>
+                    <a:bodyPr/>
+                    <a:lstStyle/>
+                    <a:p>
+                      <a:pPr algn="ctr"/>
+                      <a:endParaRPr lang="pt-BR" dirty="0"/>
+                    </a:p>
+                  </a:txBody>
+                  <a:tcPr/>
+                </a:tc>
+                <a:tc>
+                  <a:txBody>
+                    <a:bodyPr/>
+                    <a:lstStyle/>
+                    <a:p>
+                      <a:pPr algn="ctr"/>
+                      <a:endParaRPr lang="pt-BR"/>
+                    </a:p>
+                  </a:txBody>
+                  <a:tcPr/>
+                </a:tc>
+                <a:tc>
+                  <a:txBody>
+                    <a:bodyPr/>
+                    <a:lstStyle/>
+                    <a:p>
+                      <a:pPr algn="ctr"/>
+                      <a:endParaRPr lang="pt-BR"/>
+                    </a:p>
+                  </a:txBody>
+                  <a:tcPr/>
+                </a:tc>
+                <a:tc>
+                  <a:txBody>
+                    <a:bodyPr/>
+                    <a:lstStyle/>
+                    <a:p>
+                      <a:pPr algn="ctr"/>
+                      <a:endParaRPr lang="pt-BR"/>
+                    </a:p>
+                  </a:txBody>
+                  <a:tcPr/>
+                </a:tc>
+                <a:tc>
+                  <a:txBody>
+                    <a:bodyPr/>
+                    <a:lstStyle/>
+                    <a:p>
+                      <a:pPr algn="ctr"/>
+                      <a:endParaRPr lang="pt-BR" dirty="0"/>
+                    </a:p>
+                  </a:txBody>
+                  <a:tcPr/>
+                </a:tc>
+              </a:tr>
+              <a:tr h="370840">
+                <a:tc>
+                  <a:txBody>
+                    <a:bodyPr/>
+                    <a:lstStyle/>
+                    <a:p>
+                      <a:r>
+                        <a:rPr lang="pt-BR" dirty="0" smtClean="0"/>
+                        <a:t>Elaboração do</a:t>
+                      </a:r>
+                      <a:r>
+                        <a:rPr lang="pt-BR" baseline="0" dirty="0" smtClean="0"/>
+                        <a:t> projeto</a:t>
+                      </a:r>
+                      <a:endParaRPr lang="pt-BR" dirty="0"/>
+                    </a:p>
+                  </a:txBody>
+                  <a:tcPr/>
+                </a:tc>
+                <a:tc>
+                  <a:txBody>
+                    <a:bodyPr/>
+                    <a:lstStyle/>
+                    <a:p>
+                      <a:pPr algn="ctr"/>
+                      <a:endParaRPr lang="pt-BR" dirty="0"/>
+                    </a:p>
+                  </a:txBody>
+                  <a:tcPr/>
+                </a:tc>
+                <a:tc>
+                  <a:txBody>
+                    <a:bodyPr/>
+                    <a:lstStyle/>
+                    <a:p>
+                      <a:pPr algn="ctr"/>
+                      <a:endParaRPr lang="pt-BR" dirty="0"/>
+                    </a:p>
+                  </a:txBody>
+                  <a:tcPr/>
+                </a:tc>
+                <a:tc>
+                  <a:txBody>
+                    <a:bodyPr/>
+                    <a:lstStyle/>
+                    <a:p>
+                      <a:pPr algn="ctr"/>
+                      <a:endParaRPr lang="pt-BR" dirty="0"/>
+                    </a:p>
+                  </a:txBody>
+                  <a:tcPr/>
+                </a:tc>
+                <a:tc>
+                  <a:txBody>
+                    <a:bodyPr/>
+                    <a:lstStyle/>
+                    <a:p>
+                      <a:pPr algn="ctr"/>
+                      <a:r>
+                        <a:rPr lang="pt-BR" dirty="0" smtClean="0"/>
+                        <a:t>X</a:t>
+                      </a:r>
+                      <a:endParaRPr lang="pt-BR" dirty="0"/>
+                    </a:p>
+                  </a:txBody>
+                  <a:tcPr/>
+                </a:tc>
+                <a:tc>
+                  <a:txBody>
+                    <a:bodyPr/>
+                    <a:lstStyle/>
+                    <a:p>
+                      <a:pPr algn="ctr"/>
+                      <a:r>
+                        <a:rPr lang="pt-BR" dirty="0" smtClean="0"/>
+                        <a:t>X</a:t>
+                      </a:r>
+                      <a:endParaRPr lang="pt-BR" dirty="0"/>
+                    </a:p>
+                  </a:txBody>
+                  <a:tcPr/>
+                </a:tc>
+                <a:tc>
+                  <a:txBody>
+                    <a:bodyPr/>
+                    <a:lstStyle/>
+                    <a:p>
+                      <a:pPr algn="ctr"/>
+                      <a:endParaRPr lang="pt-BR"/>
+                    </a:p>
+                  </a:txBody>
+                  <a:tcPr/>
+                </a:tc>
+                <a:tc>
+                  <a:txBody>
+                    <a:bodyPr/>
+                    <a:lstStyle/>
+                    <a:p>
+                      <a:pPr algn="ctr"/>
+                      <a:endParaRPr lang="pt-BR"/>
+                    </a:p>
+                  </a:txBody>
+                  <a:tcPr/>
+                </a:tc>
+                <a:tc>
+                  <a:txBody>
+                    <a:bodyPr/>
+                    <a:lstStyle/>
+                    <a:p>
+                      <a:pPr algn="ctr"/>
+                      <a:endParaRPr lang="pt-BR" dirty="0"/>
+                    </a:p>
+                  </a:txBody>
+                  <a:tcPr/>
+                </a:tc>
+                <a:tc>
+                  <a:txBody>
+                    <a:bodyPr/>
+                    <a:lstStyle/>
+                    <a:p>
+                      <a:pPr algn="ctr"/>
+                      <a:endParaRPr lang="pt-BR" dirty="0"/>
+                    </a:p>
+                  </a:txBody>
+                  <a:tcPr/>
+                </a:tc>
+                <a:tc>
+                  <a:txBody>
+                    <a:bodyPr/>
+                    <a:lstStyle/>
+                    <a:p>
+                      <a:pPr algn="ctr"/>
+                      <a:endParaRPr lang="pt-BR"/>
+                    </a:p>
+                  </a:txBody>
+                  <a:tcPr/>
+                </a:tc>
+                <a:tc>
+                  <a:txBody>
+                    <a:bodyPr/>
+                    <a:lstStyle/>
+                    <a:p>
+                      <a:pPr algn="ctr"/>
+                      <a:endParaRPr lang="pt-BR"/>
+                    </a:p>
+                  </a:txBody>
+                  <a:tcPr/>
+                </a:tc>
+                <a:tc>
+                  <a:txBody>
+                    <a:bodyPr/>
+                    <a:lstStyle/>
+                    <a:p>
+                      <a:pPr algn="ctr"/>
+                      <a:endParaRPr lang="pt-BR" dirty="0"/>
+                    </a:p>
+                  </a:txBody>
+                  <a:tcPr/>
+                </a:tc>
+              </a:tr>
+              <a:tr h="370840">
+                <a:tc>
+                  <a:txBody>
+                    <a:bodyPr/>
+                    <a:lstStyle/>
+                    <a:p>
+                      <a:r>
+                        <a:rPr lang="pt-BR" dirty="0" smtClean="0"/>
+                        <a:t>Defesa do projeto</a:t>
+                      </a:r>
+                      <a:endParaRPr lang="pt-BR" dirty="0"/>
+                    </a:p>
+                  </a:txBody>
+                  <a:tcPr/>
+                </a:tc>
+                <a:tc>
+                  <a:txBody>
+                    <a:bodyPr/>
+                    <a:lstStyle/>
+                    <a:p>
+                      <a:pPr algn="ctr"/>
+                      <a:endParaRPr lang="pt-BR" dirty="0"/>
+                    </a:p>
+                  </a:txBody>
+                  <a:tcPr/>
+                </a:tc>
+                <a:tc>
+                  <a:txBody>
+                    <a:bodyPr/>
+                    <a:lstStyle/>
+                    <a:p>
+                      <a:pPr algn="ctr"/>
+                      <a:endParaRPr lang="pt-BR" dirty="0"/>
+                    </a:p>
+                  </a:txBody>
+                  <a:tcPr/>
+                </a:tc>
+                <a:tc>
+                  <a:txBody>
+                    <a:bodyPr/>
+                    <a:lstStyle/>
+                    <a:p>
+                      <a:pPr algn="ctr"/>
+                      <a:endParaRPr lang="pt-BR" dirty="0"/>
+                    </a:p>
+                  </a:txBody>
+                  <a:tcPr/>
+                </a:tc>
+                <a:tc>
+                  <a:txBody>
+                    <a:bodyPr/>
+                    <a:lstStyle/>
+                    <a:p>
+                      <a:pPr algn="ctr"/>
+                      <a:endParaRPr lang="pt-BR" dirty="0"/>
+                    </a:p>
+                  </a:txBody>
+                  <a:tcPr/>
+                </a:tc>
+                <a:tc>
+                  <a:txBody>
+                    <a:bodyPr/>
+                    <a:lstStyle/>
+                    <a:p>
+                      <a:pPr algn="ctr"/>
+                      <a:r>
+                        <a:rPr lang="pt-BR" dirty="0" smtClean="0"/>
+                        <a:t>X</a:t>
+                      </a:r>
+                      <a:endParaRPr lang="pt-BR" dirty="0"/>
+                    </a:p>
+                  </a:txBody>
+                  <a:tcPr/>
+                </a:tc>
+                <a:tc>
+                  <a:txBody>
+                    <a:bodyPr/>
+                    <a:lstStyle/>
+                    <a:p>
+                      <a:pPr algn="ctr"/>
+                      <a:endParaRPr lang="pt-BR"/>
+                    </a:p>
+                  </a:txBody>
+                  <a:tcPr/>
+                </a:tc>
+                <a:tc>
+                  <a:txBody>
+                    <a:bodyPr/>
+                    <a:lstStyle/>
+                    <a:p>
+                      <a:pPr algn="ctr"/>
+                      <a:endParaRPr lang="pt-BR"/>
+                    </a:p>
+                  </a:txBody>
+                  <a:tcPr/>
+                </a:tc>
+                <a:tc>
+                  <a:txBody>
+                    <a:bodyPr/>
+                    <a:lstStyle/>
+                    <a:p>
+                      <a:pPr algn="ctr"/>
+                      <a:endParaRPr lang="pt-BR"/>
+                    </a:p>
+                  </a:txBody>
+                  <a:tcPr/>
+                </a:tc>
+                <a:tc>
+                  <a:txBody>
+                    <a:bodyPr/>
+                    <a:lstStyle/>
+                    <a:p>
+                      <a:pPr algn="ctr"/>
+                      <a:endParaRPr lang="pt-BR" dirty="0"/>
+                    </a:p>
+                  </a:txBody>
+                  <a:tcPr/>
+                </a:tc>
+                <a:tc>
+                  <a:txBody>
+                    <a:bodyPr/>
+                    <a:lstStyle/>
+                    <a:p>
+                      <a:pPr algn="ctr"/>
+                      <a:endParaRPr lang="pt-BR" dirty="0"/>
+                    </a:p>
+                  </a:txBody>
+                  <a:tcPr/>
+                </a:tc>
+                <a:tc>
+                  <a:txBody>
+                    <a:bodyPr/>
+                    <a:lstStyle/>
+                    <a:p>
+                      <a:pPr algn="ctr"/>
+                      <a:endParaRPr lang="pt-BR"/>
+                    </a:p>
+                  </a:txBody>
+                  <a:tcPr/>
+                </a:tc>
+                <a:tc>
+                  <a:txBody>
+                    <a:bodyPr/>
+                    <a:lstStyle/>
+                    <a:p>
+                      <a:pPr algn="ctr"/>
+                      <a:endParaRPr lang="pt-BR"/>
+                    </a:p>
+                  </a:txBody>
+                  <a:tcPr/>
+                </a:tc>
+              </a:tr>
+              <a:tr h="370840">
+                <a:tc>
+                  <a:txBody>
+                    <a:bodyPr/>
+                    <a:lstStyle/>
+                    <a:p>
+                      <a:r>
+                        <a:rPr lang="pt-BR" dirty="0" smtClean="0"/>
+                        <a:t>Implementação do sistema</a:t>
+                      </a:r>
+                      <a:endParaRPr lang="pt-BR" dirty="0"/>
+                    </a:p>
+                  </a:txBody>
+                  <a:tcPr/>
+                </a:tc>
+                <a:tc>
+                  <a:txBody>
+                    <a:bodyPr/>
+                    <a:lstStyle/>
+                    <a:p>
+                      <a:pPr algn="ctr"/>
+                      <a:endParaRPr lang="pt-BR" dirty="0"/>
+                    </a:p>
+                  </a:txBody>
+                  <a:tcPr/>
+                </a:tc>
+                <a:tc>
+                  <a:txBody>
+                    <a:bodyPr/>
+                    <a:lstStyle/>
+                    <a:p>
+                      <a:pPr algn="ctr"/>
+                      <a:endParaRPr lang="pt-BR" dirty="0"/>
+                    </a:p>
+                  </a:txBody>
+                  <a:tcPr/>
+                </a:tc>
+                <a:tc>
+                  <a:txBody>
+                    <a:bodyPr/>
+                    <a:lstStyle/>
+                    <a:p>
+                      <a:pPr algn="ctr"/>
+                      <a:endParaRPr lang="pt-BR" dirty="0"/>
+                    </a:p>
+                  </a:txBody>
+                  <a:tcPr/>
+                </a:tc>
+                <a:tc>
+                  <a:txBody>
+                    <a:bodyPr/>
+                    <a:lstStyle/>
+                    <a:p>
+                      <a:pPr algn="ctr"/>
+                      <a:endParaRPr lang="pt-BR" dirty="0"/>
+                    </a:p>
+                  </a:txBody>
+                  <a:tcPr/>
+                </a:tc>
+                <a:tc>
+                  <a:txBody>
+                    <a:bodyPr/>
+                    <a:lstStyle/>
+                    <a:p>
+                      <a:pPr algn="ctr"/>
+                      <a:endParaRPr lang="pt-BR" dirty="0"/>
+                    </a:p>
+                  </a:txBody>
+                  <a:tcPr/>
+                </a:tc>
+                <a:tc>
+                  <a:txBody>
+                    <a:bodyPr/>
+                    <a:lstStyle/>
+                    <a:p>
+                      <a:pPr algn="ctr"/>
+                      <a:r>
+                        <a:rPr lang="pt-BR" dirty="0" smtClean="0"/>
+                        <a:t>X</a:t>
+                      </a:r>
+                      <a:endParaRPr lang="pt-BR" dirty="0"/>
+                    </a:p>
+                  </a:txBody>
+                  <a:tcPr/>
+                </a:tc>
+                <a:tc>
+                  <a:txBody>
+                    <a:bodyPr/>
+                    <a:lstStyle/>
+                    <a:p>
+                      <a:pPr algn="ctr"/>
+                      <a:r>
+                        <a:rPr lang="pt-BR" dirty="0" smtClean="0"/>
+                        <a:t>X</a:t>
+                      </a:r>
+                      <a:endParaRPr lang="pt-BR" dirty="0"/>
+                    </a:p>
+                  </a:txBody>
+                  <a:tcPr/>
+                </a:tc>
+                <a:tc>
+                  <a:txBody>
+                    <a:bodyPr/>
+                    <a:lstStyle/>
+                    <a:p>
+                      <a:pPr algn="ctr"/>
+                      <a:r>
+                        <a:rPr lang="pt-BR" dirty="0" smtClean="0"/>
+                        <a:t>X</a:t>
+                      </a:r>
+                      <a:endParaRPr lang="pt-BR" dirty="0"/>
+                    </a:p>
+                  </a:txBody>
+                  <a:tcPr/>
+                </a:tc>
+                <a:tc>
+                  <a:txBody>
+                    <a:bodyPr/>
+                    <a:lstStyle/>
+                    <a:p>
+                      <a:pPr algn="ctr"/>
+                      <a:r>
+                        <a:rPr lang="pt-BR" dirty="0" smtClean="0"/>
+                        <a:t>X</a:t>
+                      </a:r>
+                      <a:endParaRPr lang="pt-BR" dirty="0"/>
+                    </a:p>
+                  </a:txBody>
+                  <a:tcPr/>
+                </a:tc>
+                <a:tc>
+                  <a:txBody>
+                    <a:bodyPr/>
+                    <a:lstStyle/>
+                    <a:p>
+                      <a:pPr algn="ctr"/>
+                      <a:r>
+                        <a:rPr lang="pt-BR" dirty="0" smtClean="0"/>
+                        <a:t>X</a:t>
+                      </a:r>
+                      <a:endParaRPr lang="pt-BR" dirty="0"/>
+                    </a:p>
+                  </a:txBody>
+                  <a:tcPr/>
+                </a:tc>
+                <a:tc>
+                  <a:txBody>
+                    <a:bodyPr/>
+                    <a:lstStyle/>
+                    <a:p>
+                      <a:pPr algn="ctr"/>
+                      <a:endParaRPr lang="pt-BR" dirty="0"/>
+                    </a:p>
+                  </a:txBody>
+                  <a:tcPr/>
+                </a:tc>
+                <a:tc>
+                  <a:txBody>
+                    <a:bodyPr/>
+                    <a:lstStyle/>
+                    <a:p>
+                      <a:pPr algn="ctr"/>
+                      <a:endParaRPr lang="pt-BR" dirty="0"/>
+                    </a:p>
+                  </a:txBody>
+                  <a:tcPr/>
+                </a:tc>
+              </a:tr>
+              <a:tr h="370840">
+                <a:tc>
+                  <a:txBody>
+                    <a:bodyPr/>
+                    <a:lstStyle/>
+                    <a:p>
+                      <a:r>
+                        <a:rPr lang="pt-BR" dirty="0" smtClean="0"/>
+                        <a:t>Testes </a:t>
+                      </a:r>
+                      <a:endParaRPr lang="pt-BR" dirty="0"/>
+                    </a:p>
+                  </a:txBody>
+                  <a:tcPr/>
+                </a:tc>
+                <a:tc>
+                  <a:txBody>
+                    <a:bodyPr/>
+                    <a:lstStyle/>
+                    <a:p>
+                      <a:pPr algn="ctr"/>
+                      <a:endParaRPr lang="pt-BR" dirty="0"/>
+                    </a:p>
+                  </a:txBody>
+                  <a:tcPr/>
+                </a:tc>
+                <a:tc>
+                  <a:txBody>
+                    <a:bodyPr/>
+                    <a:lstStyle/>
+                    <a:p>
+                      <a:pPr algn="ctr"/>
+                      <a:endParaRPr lang="pt-BR" dirty="0"/>
+                    </a:p>
+                  </a:txBody>
+                  <a:tcPr/>
+                </a:tc>
+                <a:tc>
+                  <a:txBody>
+                    <a:bodyPr/>
+                    <a:lstStyle/>
+                    <a:p>
+                      <a:pPr algn="ctr"/>
+                      <a:endParaRPr lang="pt-BR" dirty="0"/>
+                    </a:p>
+                  </a:txBody>
+                  <a:tcPr/>
+                </a:tc>
+                <a:tc>
+                  <a:txBody>
+                    <a:bodyPr/>
+                    <a:lstStyle/>
+                    <a:p>
+                      <a:pPr algn="ctr"/>
+                      <a:endParaRPr lang="pt-BR" dirty="0"/>
+                    </a:p>
+                  </a:txBody>
+                  <a:tcPr/>
+                </a:tc>
+                <a:tc>
+                  <a:txBody>
+                    <a:bodyPr/>
+                    <a:lstStyle/>
+                    <a:p>
+                      <a:pPr algn="ctr"/>
+                      <a:endParaRPr lang="pt-BR" dirty="0"/>
+                    </a:p>
+                  </a:txBody>
+                  <a:tcPr/>
+                </a:tc>
+                <a:tc>
+                  <a:txBody>
+                    <a:bodyPr/>
+                    <a:lstStyle/>
+                    <a:p>
+                      <a:pPr algn="ctr"/>
+                      <a:endParaRPr lang="pt-BR" dirty="0"/>
+                    </a:p>
+                  </a:txBody>
+                  <a:tcPr/>
+                </a:tc>
+                <a:tc>
+                  <a:txBody>
+                    <a:bodyPr/>
+                    <a:lstStyle/>
+                    <a:p>
+                      <a:pPr algn="ctr"/>
+                      <a:r>
+                        <a:rPr lang="pt-BR" dirty="0" smtClean="0"/>
+                        <a:t>X</a:t>
+                      </a:r>
+                      <a:endParaRPr lang="pt-BR" dirty="0"/>
+                    </a:p>
+                  </a:txBody>
+                  <a:tcPr/>
+                </a:tc>
+                <a:tc>
+                  <a:txBody>
+                    <a:bodyPr/>
+                    <a:lstStyle/>
+                    <a:p>
+                      <a:pPr algn="ctr"/>
+                      <a:r>
+                        <a:rPr lang="pt-BR" dirty="0" smtClean="0"/>
+                        <a:t>X</a:t>
+                      </a:r>
+                      <a:endParaRPr lang="pt-BR" dirty="0"/>
+                    </a:p>
+                  </a:txBody>
+                  <a:tcPr/>
+                </a:tc>
+                <a:tc>
+                  <a:txBody>
+                    <a:bodyPr/>
+                    <a:lstStyle/>
+                    <a:p>
+                      <a:pPr algn="ctr"/>
+                      <a:r>
+                        <a:rPr lang="pt-BR" dirty="0" smtClean="0"/>
+                        <a:t>X</a:t>
+                      </a:r>
+                      <a:endParaRPr lang="pt-BR" dirty="0"/>
+                    </a:p>
+                  </a:txBody>
+                  <a:tcPr/>
+                </a:tc>
+                <a:tc>
+                  <a:txBody>
+                    <a:bodyPr/>
+                    <a:lstStyle/>
+                    <a:p>
+                      <a:pPr algn="ctr"/>
+                      <a:r>
+                        <a:rPr lang="pt-BR" dirty="0" smtClean="0"/>
+                        <a:t>X</a:t>
+                      </a:r>
+                      <a:endParaRPr lang="pt-BR" dirty="0"/>
+                    </a:p>
+                  </a:txBody>
+                  <a:tcPr/>
+                </a:tc>
+                <a:tc>
+                  <a:txBody>
+                    <a:bodyPr/>
+                    <a:lstStyle/>
+                    <a:p>
+                      <a:pPr algn="ctr"/>
+                      <a:endParaRPr lang="pt-BR" dirty="0"/>
+                    </a:p>
+                  </a:txBody>
+                  <a:tcPr/>
+                </a:tc>
+                <a:tc>
+                  <a:txBody>
+                    <a:bodyPr/>
+                    <a:lstStyle/>
+                    <a:p>
+                      <a:pPr algn="ctr"/>
+                      <a:endParaRPr lang="pt-BR" dirty="0"/>
+                    </a:p>
+                  </a:txBody>
+                  <a:tcPr/>
+                </a:tc>
+              </a:tr>
+              <a:tr h="370840">
+                <a:tc>
+                  <a:txBody>
+                    <a:bodyPr/>
+                    <a:lstStyle/>
+                    <a:p>
+                      <a:r>
+                        <a:rPr lang="pt-BR" dirty="0" smtClean="0"/>
+                        <a:t>Elaboração da monografia</a:t>
+                      </a:r>
+                      <a:endParaRPr lang="pt-BR" dirty="0"/>
+                    </a:p>
+                  </a:txBody>
+                  <a:tcPr/>
+                </a:tc>
+                <a:tc>
+                  <a:txBody>
+                    <a:bodyPr/>
+                    <a:lstStyle/>
+                    <a:p>
+                      <a:pPr algn="ctr"/>
+                      <a:endParaRPr lang="pt-BR" dirty="0"/>
+                    </a:p>
+                  </a:txBody>
+                  <a:tcPr/>
+                </a:tc>
+                <a:tc>
+                  <a:txBody>
+                    <a:bodyPr/>
+                    <a:lstStyle/>
+                    <a:p>
+                      <a:pPr algn="ctr"/>
+                      <a:endParaRPr lang="pt-BR" dirty="0"/>
+                    </a:p>
+                  </a:txBody>
+                  <a:tcPr/>
+                </a:tc>
+                <a:tc>
+                  <a:txBody>
+                    <a:bodyPr/>
+                    <a:lstStyle/>
+                    <a:p>
+                      <a:pPr algn="ctr"/>
+                      <a:endParaRPr lang="pt-BR" dirty="0"/>
+                    </a:p>
+                  </a:txBody>
+                  <a:tcPr/>
+                </a:tc>
+                <a:tc>
+                  <a:txBody>
+                    <a:bodyPr/>
+                    <a:lstStyle/>
+                    <a:p>
+                      <a:pPr algn="ctr"/>
+                      <a:endParaRPr lang="pt-BR" dirty="0"/>
+                    </a:p>
+                  </a:txBody>
+                  <a:tcPr/>
+                </a:tc>
+                <a:tc>
+                  <a:txBody>
+                    <a:bodyPr/>
+                    <a:lstStyle/>
+                    <a:p>
+                      <a:pPr algn="ctr"/>
+                      <a:endParaRPr lang="pt-BR" dirty="0"/>
+                    </a:p>
+                  </a:txBody>
+                  <a:tcPr/>
+                </a:tc>
+                <a:tc>
+                  <a:txBody>
+                    <a:bodyPr/>
+                    <a:lstStyle/>
+                    <a:p>
+                      <a:pPr algn="ctr"/>
+                      <a:endParaRPr lang="pt-BR" dirty="0"/>
+                    </a:p>
+                  </a:txBody>
+                  <a:tcPr/>
+                </a:tc>
+                <a:tc>
+                  <a:txBody>
+                    <a:bodyPr/>
+                    <a:lstStyle/>
+                    <a:p>
+                      <a:pPr algn="ctr"/>
+                      <a:r>
+                        <a:rPr lang="pt-BR" dirty="0" smtClean="0"/>
+                        <a:t>X</a:t>
+                      </a:r>
+                      <a:endParaRPr lang="pt-BR" dirty="0"/>
+                    </a:p>
+                  </a:txBody>
+                  <a:tcPr/>
+                </a:tc>
+                <a:tc>
+                  <a:txBody>
+                    <a:bodyPr/>
+                    <a:lstStyle/>
+                    <a:p>
+                      <a:pPr algn="ctr"/>
+                      <a:r>
+                        <a:rPr lang="pt-BR" dirty="0" smtClean="0"/>
+                        <a:t>X</a:t>
+                      </a:r>
+                      <a:endParaRPr lang="pt-BR" dirty="0"/>
+                    </a:p>
+                  </a:txBody>
+                  <a:tcPr/>
+                </a:tc>
+                <a:tc>
+                  <a:txBody>
+                    <a:bodyPr/>
+                    <a:lstStyle/>
+                    <a:p>
+                      <a:pPr algn="ctr"/>
+                      <a:r>
+                        <a:rPr lang="pt-BR" dirty="0" smtClean="0"/>
+                        <a:t>X</a:t>
+                      </a:r>
+                      <a:endParaRPr lang="pt-BR" dirty="0"/>
+                    </a:p>
+                  </a:txBody>
+                  <a:tcPr/>
+                </a:tc>
+                <a:tc>
+                  <a:txBody>
+                    <a:bodyPr/>
+                    <a:lstStyle/>
+                    <a:p>
+                      <a:pPr algn="ctr"/>
+                      <a:r>
+                        <a:rPr lang="pt-BR" dirty="0" smtClean="0"/>
+                        <a:t>X</a:t>
+                      </a:r>
+                      <a:endParaRPr lang="pt-BR" dirty="0"/>
+                    </a:p>
+                  </a:txBody>
+                  <a:tcPr/>
+                </a:tc>
+                <a:tc>
+                  <a:txBody>
+                    <a:bodyPr/>
+                    <a:lstStyle/>
+                    <a:p>
+                      <a:pPr algn="ctr"/>
+                      <a:r>
+                        <a:rPr lang="pt-BR" dirty="0" smtClean="0"/>
+                        <a:t>X</a:t>
+                      </a:r>
+                      <a:endParaRPr lang="pt-BR" dirty="0"/>
+                    </a:p>
+                  </a:txBody>
+                  <a:tcPr/>
+                </a:tc>
+                <a:tc>
+                  <a:txBody>
+                    <a:bodyPr/>
+                    <a:lstStyle/>
+                    <a:p>
+                      <a:pPr algn="ctr"/>
+                      <a:r>
+                        <a:rPr lang="pt-BR" dirty="0" smtClean="0"/>
+                        <a:t>X</a:t>
+                      </a:r>
+                      <a:endParaRPr lang="pt-BR" dirty="0"/>
+                    </a:p>
+                  </a:txBody>
+                  <a:tcPr/>
+                </a:tc>
+              </a:tr>
+              <a:tr h="370840">
+                <a:tc>
+                  <a:txBody>
+                    <a:bodyPr/>
+                    <a:lstStyle/>
+                    <a:p>
+                      <a:r>
+                        <a:rPr lang="pt-BR" dirty="0" smtClean="0"/>
+                        <a:t>Defesa final</a:t>
+                      </a:r>
+                      <a:endParaRPr lang="pt-BR" dirty="0"/>
+                    </a:p>
+                  </a:txBody>
+                  <a:tcPr/>
+                </a:tc>
+                <a:tc>
+                  <a:txBody>
+                    <a:bodyPr/>
+                    <a:lstStyle/>
+                    <a:p>
+                      <a:pPr algn="ctr"/>
+                      <a:endParaRPr lang="pt-BR" dirty="0"/>
+                    </a:p>
+                  </a:txBody>
+                  <a:tcPr/>
+                </a:tc>
+                <a:tc>
+                  <a:txBody>
+                    <a:bodyPr/>
+                    <a:lstStyle/>
+                    <a:p>
+                      <a:pPr algn="ctr"/>
+                      <a:endParaRPr lang="pt-BR" dirty="0"/>
+                    </a:p>
+                  </a:txBody>
+                  <a:tcPr/>
+                </a:tc>
+                <a:tc>
+                  <a:txBody>
+                    <a:bodyPr/>
+                    <a:lstStyle/>
+                    <a:p>
+                      <a:pPr algn="ctr"/>
+                      <a:endParaRPr lang="pt-BR" dirty="0"/>
+                    </a:p>
+                  </a:txBody>
+                  <a:tcPr/>
+                </a:tc>
+                <a:tc>
+                  <a:txBody>
+                    <a:bodyPr/>
+                    <a:lstStyle/>
+                    <a:p>
+                      <a:pPr algn="ctr"/>
+                      <a:endParaRPr lang="pt-BR" dirty="0"/>
+                    </a:p>
+                  </a:txBody>
+                  <a:tcPr/>
+                </a:tc>
+                <a:tc>
+                  <a:txBody>
+                    <a:bodyPr/>
+                    <a:lstStyle/>
+                    <a:p>
+                      <a:pPr algn="ctr"/>
+                      <a:endParaRPr lang="pt-BR" dirty="0"/>
+                    </a:p>
+                  </a:txBody>
+                  <a:tcPr/>
+                </a:tc>
+                <a:tc>
+                  <a:txBody>
+                    <a:bodyPr/>
+                    <a:lstStyle/>
+                    <a:p>
+                      <a:pPr algn="ctr"/>
+                      <a:endParaRPr lang="pt-BR" dirty="0"/>
+                    </a:p>
+                  </a:txBody>
+                  <a:tcPr/>
+                </a:tc>
+                <a:tc>
+                  <a:txBody>
+                    <a:bodyPr/>
+                    <a:lstStyle/>
+                    <a:p>
+                      <a:pPr algn="ctr"/>
+                      <a:endParaRPr lang="pt-BR" dirty="0"/>
+                    </a:p>
+                  </a:txBody>
+                  <a:tcPr/>
+                </a:tc>
+                <a:tc>
+                  <a:txBody>
+                    <a:bodyPr/>
+                    <a:lstStyle/>
+                    <a:p>
+                      <a:pPr algn="ctr"/>
+                      <a:endParaRPr lang="pt-BR" dirty="0"/>
+                    </a:p>
+                  </a:txBody>
+                  <a:tcPr/>
+                </a:tc>
+                <a:tc>
+                  <a:txBody>
+                    <a:bodyPr/>
+                    <a:lstStyle/>
+                    <a:p>
+                      <a:pPr algn="ctr"/>
+                      <a:endParaRPr lang="pt-BR" dirty="0"/>
+                    </a:p>
+                  </a:txBody>
+                  <a:tcPr/>
+                </a:tc>
+                <a:tc>
+                  <a:txBody>
+                    <a:bodyPr/>
+                    <a:lstStyle/>
+                    <a:p>
+                      <a:pPr algn="ctr"/>
+                      <a:endParaRPr lang="pt-BR" dirty="0"/>
+                    </a:p>
+                  </a:txBody>
+                  <a:tcPr/>
+                </a:tc>
+                <a:tc>
+                  <a:txBody>
+                    <a:bodyPr/>
+                    <a:lstStyle/>
+                    <a:p>
+                      <a:pPr algn="ctr"/>
+                      <a:endParaRPr lang="pt-BR" dirty="0"/>
+                    </a:p>
+                  </a:txBody>
+                  <a:tcPr/>
+                </a:tc>
+                <a:tc>
+                  <a:txBody>
+                    <a:bodyPr/>
+                    <a:lstStyle/>
+                    <a:p>
+                      <a:pPr algn="ctr"/>
+                      <a:r>
+                        <a:rPr lang="pt-BR" dirty="0" smtClean="0"/>
+                        <a:t>X</a:t>
+                      </a:r>
+                      <a:endParaRPr lang="pt-BR" dirty="0"/>
+                    </a:p>
+                  </a:txBody>
+                  <a:tcPr/>
+                </a:tc>
+              </a:tr>
+            </a:tbl>
+          </a:graphicData>
+        </a:graphic>
+      </p:graphicFrame>
     </p:spTree>
     <p:extLst>
       <p:ext uri="{BB962C8B-B14F-4D97-AF65-F5344CB8AC3E}">
-        <p14:creationId xmlns:p14="http://schemas.microsoft.com/office/powerpoint/2010/main" val="3907756999"/>
+        <p14:creationId xmlns:p14="http://schemas.microsoft.com/office/powerpoint/2010/main" val="1810550369"/>
       </p:ext>
     </p:extLst>
   </p:cSld>
   <p:clrMapOvr>
     <a:masterClrMapping/>
   </p:clrMapOvr>
+  <p:timing>
+    <p:tnLst>
+      <p:par>
+        <p:cTn id="1" dur="indefinite" restart="never" nodeType="tmRoot"/>
+      </p:par>
+    </p:tnLst>
+  </p:timing>
 </p:sld>
 </file>
 
@@ -5790,21 +7463,21 @@
                 </a:solidFill>
                 <a:latin typeface="Arial" pitchFamily="34"/>
               </a:rPr>
-              <a:t>Cronograma</a:t>
-            </a:r>
-          </a:p>
-        </p:txBody>
-      </p:sp>
-      <p:sp>
-        <p:nvSpPr>
-          <p:cNvPr id="6" name="CaixaDeTexto 5"/>
+              <a:t>Referências</a:t>
+            </a:r>
+          </a:p>
+        </p:txBody>
+      </p:sp>
+      <p:sp>
+        <p:nvSpPr>
+          <p:cNvPr id="7" name="CaixaDeTexto 6"/>
           <p:cNvSpPr txBox="1"/>
           <p:nvPr/>
         </p:nvSpPr>
         <p:spPr>
           <a:xfrm>
-            <a:off x="757881" y="2385930"/>
-            <a:ext cx="11261125" cy="369332"/>
+            <a:off x="601361" y="2913152"/>
+            <a:ext cx="11261125" cy="1477328"/>
           </a:xfrm>
           <a:prstGeom prst="rect">
             <a:avLst/>
@@ -5820,7 +7493,82 @@
             <a:pPr algn="ctr"/>
             <a:r>
               <a:rPr lang="pt-BR" dirty="0" smtClean="0"/>
-              <a:t>a</a:t>
+              <a:t>[1]  </a:t>
+            </a:r>
+            <a:r>
+              <a:rPr lang="pt-BR" dirty="0" err="1" smtClean="0"/>
+              <a:t>Aly</a:t>
+            </a:r>
+            <a:r>
+              <a:rPr lang="pt-BR" dirty="0" smtClean="0"/>
+              <a:t>, </a:t>
+            </a:r>
+            <a:r>
+              <a:rPr lang="pt-BR" dirty="0" err="1" smtClean="0"/>
+              <a:t>Welinder</a:t>
+            </a:r>
+            <a:r>
+              <a:rPr lang="pt-BR" dirty="0" smtClean="0"/>
+              <a:t>, </a:t>
+            </a:r>
+            <a:r>
+              <a:rPr lang="pt-BR" dirty="0" err="1" smtClean="0"/>
+              <a:t>Munich</a:t>
+            </a:r>
+            <a:r>
+              <a:rPr lang="pt-BR" dirty="0" smtClean="0"/>
+              <a:t>, Perona et al.”</a:t>
+            </a:r>
+            <a:r>
+              <a:rPr lang="en-US" dirty="0"/>
+              <a:t> Scaling Object Recognition: Benchmark of Current State of the Art Techniques” 2009 IEEE 12th International Conference on Computer Vision Workshops, ICCV </a:t>
+            </a:r>
+            <a:r>
+              <a:rPr lang="en-US" dirty="0" smtClean="0"/>
+              <a:t>Workshops</a:t>
+            </a:r>
+          </a:p>
+          <a:p>
+            <a:pPr algn="ctr"/>
+            <a:endParaRPr lang="en-US" dirty="0"/>
+          </a:p>
+          <a:p>
+            <a:pPr algn="ctr"/>
+            <a:r>
+              <a:rPr lang="en-US" dirty="0" smtClean="0"/>
+              <a:t>[2</a:t>
+            </a:r>
+            <a:r>
+              <a:rPr lang="en-US" dirty="0"/>
+              <a:t>] </a:t>
+            </a:r>
+            <a:r>
+              <a:rPr lang="en-US" dirty="0" err="1" smtClean="0"/>
+              <a:t>Ylmaz</a:t>
+            </a:r>
+            <a:r>
+              <a:rPr lang="en-US" dirty="0" smtClean="0"/>
+              <a:t>, </a:t>
+            </a:r>
+            <a:r>
+              <a:rPr lang="en-US" dirty="0" err="1" smtClean="0"/>
+              <a:t>Javed</a:t>
+            </a:r>
+            <a:r>
+              <a:rPr lang="en-US" dirty="0" smtClean="0"/>
+              <a:t>, Shah  et al</a:t>
+            </a:r>
+            <a:r>
+              <a:rPr lang="en-US" dirty="0"/>
+              <a:t>. “Object Tracking: A </a:t>
+            </a:r>
+            <a:r>
+              <a:rPr lang="en-US" smtClean="0"/>
+              <a:t>Survey” ACM </a:t>
+            </a:r>
+            <a:r>
+              <a:rPr lang="en-US" dirty="0"/>
+              <a:t>Computing Surveys, Vol. 38, No. 4, Article 13, Publication date: December 2006</a:t>
             </a:r>
             <a:endParaRPr lang="pt-BR" dirty="0"/>
           </a:p>
@@ -5829,13 +7577,20 @@
     </p:spTree>
     <p:extLst>
       <p:ext uri="{BB962C8B-B14F-4D97-AF65-F5344CB8AC3E}">
-        <p14:creationId xmlns:p14="http://schemas.microsoft.com/office/powerpoint/2010/main" val="1810550369"/>
+        <p14:creationId xmlns:p14="http://schemas.microsoft.com/office/powerpoint/2010/main" val="229417521"/>
       </p:ext>
     </p:extLst>
   </p:cSld>
   <p:clrMapOvr>
     <a:masterClrMapping/>
   </p:clrMapOvr>
+  <p:timing>
+    <p:tnLst>
+      <p:par>
+        <p:cTn id="1" dur="indefinite" restart="never" nodeType="tmRoot"/>
+      </p:par>
+    </p:tnLst>
+  </p:timing>
 </p:sld>
 </file>
 

--- a/Seminário 01.pptx
+++ b/Seminário 01.pptx
@@ -3143,16 +3143,7 @@
                 </a:solidFill>
                 <a:latin typeface="Arial" pitchFamily="34"/>
               </a:rPr>
-              <a:t>Universidade Federal da Fronteira </a:t>
-            </a:r>
-            <a:r>
-              <a:rPr lang="pt-BR" sz="3600" dirty="0" smtClean="0">
-                <a:solidFill>
-                  <a:srgbClr val="007826"/>
-                </a:solidFill>
-                <a:latin typeface="Arial" pitchFamily="34"/>
-              </a:rPr>
-              <a:t>Sul</a:t>
+              <a:t>Universidade Federal da Fronteira Sul</a:t>
             </a:r>
             <a:endParaRPr lang="pt-BR" sz="3600" dirty="0">
               <a:solidFill>
@@ -4660,7 +4651,7 @@
         <p:spPr>
           <a:xfrm>
             <a:off x="601361" y="2913152"/>
-            <a:ext cx="11261125" cy="1200329"/>
+            <a:ext cx="11261125" cy="1477328"/>
           </a:xfrm>
           <a:prstGeom prst="rect">
             <a:avLst/>
@@ -4675,29 +4666,45 @@
           <a:p>
             <a:pPr algn="ctr"/>
             <a:r>
-              <a:rPr lang="pt-BR" smtClean="0"/>
+              <a:rPr lang="pt-BR" dirty="0" smtClean="0"/>
               <a:t>Implementar um software que faça leitura de uma imagem e partir dela seja capaz</a:t>
             </a:r>
           </a:p>
           <a:p>
             <a:pPr algn="ctr"/>
             <a:r>
-              <a:rPr lang="pt-BR" smtClean="0"/>
+              <a:rPr lang="pt-BR" dirty="0" smtClean="0"/>
               <a:t>de identifica-la e descreve-la ou efetuar uma determinada ação como por exemplo quando mostrado</a:t>
             </a:r>
           </a:p>
           <a:p>
             <a:pPr algn="ctr"/>
             <a:r>
-              <a:rPr lang="pt-BR" smtClean="0"/>
+              <a:rPr lang="pt-BR" dirty="0" smtClean="0"/>
               <a:t>uma capa de um livro seja efetuada uma pesquisa em algum buscador pelas lojas que o comercializem.</a:t>
             </a:r>
           </a:p>
           <a:p>
             <a:pPr algn="ctr"/>
             <a:r>
-              <a:rPr lang="pt-BR" smtClean="0"/>
-              <a:t>O mesmo pode servir de apoio para pessoas com deficiência visual entre outras fazendo uso da visão computacional.</a:t>
+              <a:rPr lang="pt-BR" dirty="0" smtClean="0"/>
+              <a:t>O mesmo pode servir de apoio </a:t>
+            </a:r>
+            <a:r>
+              <a:rPr lang="pt-BR" dirty="0" smtClean="0"/>
+              <a:t>à um almoxarifado ou </a:t>
+            </a:r>
+            <a:r>
+              <a:rPr lang="pt-BR" dirty="0" smtClean="0"/>
+              <a:t>revendedora de peças </a:t>
+            </a:r>
+            <a:r>
+              <a:rPr lang="pt-BR" dirty="0" smtClean="0"/>
+              <a:t>entre </a:t>
+            </a:r>
+            <a:r>
+              <a:rPr lang="pt-BR" dirty="0" smtClean="0"/>
+              <a:t>outras fazendo uso da visão computacional.</a:t>
             </a:r>
             <a:endParaRPr lang="pt-BR" dirty="0"/>
           </a:p>
@@ -4911,10 +4918,6 @@
               <a:rPr lang="pt-BR" dirty="0" smtClean="0"/>
               <a:t>Identificar técnicas de reconhecimento de objetos</a:t>
             </a:r>
-            <a:r>
-              <a:rPr lang="pt-BR" dirty="0" smtClean="0"/>
-              <a:t/>
-            </a:r>
             <a:br>
               <a:rPr lang="pt-BR" dirty="0" smtClean="0"/>
             </a:br>
@@ -4928,10 +4931,6 @@
               <a:rPr lang="pt-BR" dirty="0" smtClean="0"/>
               <a:t>Criar uma base de dados com informações sobre objetos a serem reconhecidos</a:t>
             </a:r>
-            <a:r>
-              <a:rPr lang="pt-BR" dirty="0" smtClean="0"/>
-              <a:t/>
-            </a:r>
             <a:br>
               <a:rPr lang="pt-BR" dirty="0" smtClean="0"/>
             </a:br>
@@ -4958,7 +4957,6 @@
               <a:rPr lang="pt-BR" dirty="0" smtClean="0"/>
               <a:t>Analisar o desempenho do software</a:t>
             </a:r>
-            <a:endParaRPr lang="pt-BR" dirty="0" smtClean="0"/>
           </a:p>
           <a:p>
             <a:pPr marL="342900" indent="-342900" algn="ctr">
@@ -5470,7 +5468,7 @@
           <p:nvPr>
             <p:extLst>
               <p:ext uri="{D42A27DB-BD31-4B8C-83A1-F6EECF244321}">
-                <p14:modId xmlns:p14="http://schemas.microsoft.com/office/powerpoint/2010/main" val="316046862"/>
+                <p14:modId xmlns:p14="http://schemas.microsoft.com/office/powerpoint/2010/main" val="568987372"/>
               </p:ext>
             </p:extLst>
           </p:nvPr>
@@ -5754,6 +5752,10 @@
                     <a:lstStyle/>
                     <a:p>
                       <a:pPr algn="ctr"/>
+                      <a:r>
+                        <a:rPr lang="pt-BR" dirty="0" smtClean="0"/>
+                        <a:t>X</a:t>
+                      </a:r>
                       <a:endParaRPr lang="pt-BR" dirty="0"/>
                     </a:p>
                   </a:txBody>
@@ -6028,7 +6030,7 @@
                     <a:lstStyle/>
                     <a:p>
                       <a:pPr algn="ctr"/>
-                      <a:endParaRPr lang="pt-BR"/>
+                      <a:endParaRPr lang="pt-BR" dirty="0"/>
                     </a:p>
                   </a:txBody>
                   <a:tcPr/>
@@ -6195,7 +6197,7 @@
                     <a:lstStyle/>
                     <a:p>
                       <a:pPr algn="ctr"/>
-                      <a:endParaRPr lang="pt-BR"/>
+                      <a:endParaRPr lang="pt-BR" dirty="0"/>
                     </a:p>
                   </a:txBody>
                   <a:tcPr/>
@@ -7477,7 +7479,7 @@
         <p:spPr>
           <a:xfrm>
             <a:off x="601361" y="2913152"/>
-            <a:ext cx="11261125" cy="1477328"/>
+            <a:ext cx="11261125" cy="2308324"/>
           </a:xfrm>
           <a:prstGeom prst="rect">
             <a:avLst/>
@@ -7563,12 +7565,67 @@
               <a:t>. “Object Tracking: A </a:t>
             </a:r>
             <a:r>
+              <a:rPr lang="en-US" dirty="0" smtClean="0"/>
+              <a:t>Survey” ACM </a:t>
+            </a:r>
+            <a:r>
+              <a:rPr lang="en-US" dirty="0"/>
+              <a:t>Computing Surveys, Vol. 38, No. 4, Article 13, Publication date: December </a:t>
+            </a:r>
+            <a:r>
+              <a:rPr lang="en-US" dirty="0" smtClean="0"/>
+              <a:t>2006</a:t>
+            </a:r>
+          </a:p>
+          <a:p>
+            <a:pPr algn="ctr"/>
+            <a:endParaRPr lang="en-US" dirty="0"/>
+          </a:p>
+          <a:p>
+            <a:pPr algn="ctr"/>
+            <a:r>
+              <a:rPr lang="en-US" dirty="0" smtClean="0"/>
+              <a:t>[3</a:t>
+            </a:r>
+            <a:r>
+              <a:rPr lang="en-US" dirty="0"/>
+              <a:t>] </a:t>
+            </a:r>
+            <a:r>
+              <a:rPr lang="en-US" dirty="0" err="1"/>
+              <a:t>Shantaram</a:t>
+            </a:r>
+            <a:r>
+              <a:rPr lang="en-US" dirty="0"/>
+              <a:t> , </a:t>
+            </a:r>
+            <a:r>
+              <a:rPr lang="en-US" dirty="0" smtClean="0"/>
+              <a:t> </a:t>
+            </a:r>
+            <a:r>
+              <a:rPr lang="en-US" dirty="0" err="1" smtClean="0"/>
+              <a:t>Hanmandlu</a:t>
+            </a:r>
+            <a:r>
+              <a:rPr lang="en-US" dirty="0" smtClean="0"/>
+              <a:t> et al. </a:t>
+            </a:r>
+            <a:r>
+              <a:rPr lang="en-US" dirty="0"/>
+              <a:t>“CONTOUR BASED MATCHING TECHNIQUE FOR 3D OBJECT RECOGNITION</a:t>
+            </a:r>
+            <a:r>
+              <a:rPr lang="en-US"/>
+              <a:t>” </a:t>
+            </a:r>
+            <a:r>
               <a:rPr lang="en-US" smtClean="0"/>
-              <a:t>Survey” ACM </a:t>
+              <a:t>Proceedings </a:t>
             </a:r>
             <a:r>
               <a:rPr lang="en-US" dirty="0"/>
-              <a:t>Computing Surveys, Vol. 38, No. 4, Article 13, Publication date: December 2006</a:t>
+              <a:t>of the International Conference on Information Technology: Coding and Computing (ITCCí02) </a:t>
             </a:r>
             <a:endParaRPr lang="pt-BR" dirty="0"/>
           </a:p>
